--- a/doc/documentation/documentation.pptx
+++ b/doc/documentation/documentation.pptx
@@ -5,7 +5,7 @@
     <p:sldMasterId id="2147483648" r:id="rId1"/>
   </p:sldMasterIdLst>
   <p:notesMasterIdLst>
-    <p:notesMasterId r:id="rId11"/>
+    <p:notesMasterId r:id="rId12"/>
   </p:notesMasterIdLst>
   <p:sldIdLst>
     <p:sldId id="257" r:id="rId2"/>
@@ -17,6 +17,7 @@
     <p:sldId id="266" r:id="rId8"/>
     <p:sldId id="267" r:id="rId9"/>
     <p:sldId id="271" r:id="rId10"/>
+    <p:sldId id="272" r:id="rId11"/>
   </p:sldIdLst>
   <p:sldSz cx="12192000" cy="6858000"/>
   <p:notesSz cx="6858000" cy="9144000"/>
@@ -204,7 +205,7 @@
           </a:lstStyle>
           <a:p>
             <a:fld id="{49500105-9C48-984E-9CDC-F1375D25D7E6}" type="datetimeFigureOut">
-              <a:t>07/03/2025</a:t>
+              <a:t>31/03/2025</a:t>
             </a:fld>
             <a:endParaRPr lang="fr-FR"/>
           </a:p>
@@ -660,6 +661,113 @@
 </p:notes>
 </file>
 
+<file path=ppt/notesSlides/notesSlide3.xml><?xml version="1.0" encoding="utf-8"?>
+<p:notes xmlns:a="http://schemas.openxmlformats.org/drawingml/2006/main" xmlns:r="http://schemas.openxmlformats.org/officeDocument/2006/relationships" xmlns:p="http://schemas.openxmlformats.org/presentationml/2006/main">
+  <p:cSld>
+    <p:spTree>
+      <p:nvGrpSpPr>
+        <p:cNvPr id="1" name="">
+          <a:extLst>
+            <a:ext uri="{FF2B5EF4-FFF2-40B4-BE49-F238E27FC236}">
+              <a16:creationId xmlns:a16="http://schemas.microsoft.com/office/drawing/2014/main" id="{05C81E3F-292E-A809-9305-BBA27A0CC574}"/>
+            </a:ext>
+          </a:extLst>
+        </p:cNvPr>
+        <p:cNvGrpSpPr/>
+        <p:nvPr/>
+      </p:nvGrpSpPr>
+      <p:grpSpPr>
+        <a:xfrm>
+          <a:off x="0" y="0"/>
+          <a:ext cx="0" cy="0"/>
+          <a:chOff x="0" y="0"/>
+          <a:chExt cx="0" cy="0"/>
+        </a:xfrm>
+      </p:grpSpPr>
+      <p:sp>
+        <p:nvSpPr>
+          <p:cNvPr id="2" name="Espace réservé de l'image des diapositives 1">
+            <a:extLst>
+              <a:ext uri="{FF2B5EF4-FFF2-40B4-BE49-F238E27FC236}">
+                <a16:creationId xmlns:a16="http://schemas.microsoft.com/office/drawing/2014/main" id="{FF33BDBA-61E0-AEEF-F008-901E9D470E7A}"/>
+              </a:ext>
+            </a:extLst>
+          </p:cNvPr>
+          <p:cNvSpPr>
+            <a:spLocks noGrp="1" noRot="1" noChangeAspect="1"/>
+          </p:cNvSpPr>
+          <p:nvPr>
+            <p:ph type="sldImg"/>
+          </p:nvPr>
+        </p:nvSpPr>
+        <p:spPr/>
+      </p:sp>
+      <p:sp>
+        <p:nvSpPr>
+          <p:cNvPr id="3" name="Espace réservé des notes 2">
+            <a:extLst>
+              <a:ext uri="{FF2B5EF4-FFF2-40B4-BE49-F238E27FC236}">
+                <a16:creationId xmlns:a16="http://schemas.microsoft.com/office/drawing/2014/main" id="{E141AD7F-1B9C-2A4F-D98F-2FBD6C3CDA0C}"/>
+              </a:ext>
+            </a:extLst>
+          </p:cNvPr>
+          <p:cNvSpPr>
+            <a:spLocks noGrp="1"/>
+          </p:cNvSpPr>
+          <p:nvPr>
+            <p:ph type="body" idx="1"/>
+          </p:nvPr>
+        </p:nvSpPr>
+        <p:spPr/>
+        <p:txBody>
+          <a:bodyPr/>
+          <a:lstStyle/>
+          <a:p>
+            <a:endParaRPr lang="fr-FR"/>
+          </a:p>
+        </p:txBody>
+      </p:sp>
+      <p:sp>
+        <p:nvSpPr>
+          <p:cNvPr id="4" name="Espace réservé du numéro de diapositive 3">
+            <a:extLst>
+              <a:ext uri="{FF2B5EF4-FFF2-40B4-BE49-F238E27FC236}">
+                <a16:creationId xmlns:a16="http://schemas.microsoft.com/office/drawing/2014/main" id="{9B7AA084-2765-1BF7-2475-F4FD1123F150}"/>
+              </a:ext>
+            </a:extLst>
+          </p:cNvPr>
+          <p:cNvSpPr>
+            <a:spLocks noGrp="1"/>
+          </p:cNvSpPr>
+          <p:nvPr>
+            <p:ph type="sldNum" sz="quarter" idx="5"/>
+          </p:nvPr>
+        </p:nvSpPr>
+        <p:spPr/>
+        <p:txBody>
+          <a:bodyPr/>
+          <a:lstStyle/>
+          <a:p>
+            <a:fld id="{9FBF1E06-D5E6-D248-B45C-D8434899FAE8}" type="slidenum">
+              <a:t>10</a:t>
+            </a:fld>
+            <a:endParaRPr lang="fr-FR"/>
+          </a:p>
+        </p:txBody>
+      </p:sp>
+    </p:spTree>
+    <p:extLst>
+      <p:ext uri="{BB962C8B-B14F-4D97-AF65-F5344CB8AC3E}">
+        <p14:creationId xmlns:p14="http://schemas.microsoft.com/office/powerpoint/2010/main" val="653490859"/>
+      </p:ext>
+    </p:extLst>
+  </p:cSld>
+  <p:clrMapOvr>
+    <a:masterClrMapping/>
+  </p:clrMapOvr>
+</p:notes>
+</file>
+
 <file path=ppt/slideLayouts/slideLayout1.xml><?xml version="1.0" encoding="utf-8"?>
 <p:sldLayout xmlns:a="http://schemas.openxmlformats.org/drawingml/2006/main" xmlns:r="http://schemas.openxmlformats.org/officeDocument/2006/relationships" xmlns:p="http://schemas.openxmlformats.org/presentationml/2006/main" type="title" preserve="1">
   <p:cSld name="Diapositive de titre">
@@ -806,7 +914,7 @@
           <a:lstStyle/>
           <a:p>
             <a:fld id="{7017F4CF-FB7D-E643-B991-A4BE8CDC438F}" type="datetimeFigureOut">
-              <a:t>07/03/2025</a:t>
+              <a:t>31/03/2025</a:t>
             </a:fld>
             <a:endParaRPr lang="fr-FR"/>
           </a:p>
@@ -1002,7 +1110,7 @@
           <a:lstStyle/>
           <a:p>
             <a:fld id="{7017F4CF-FB7D-E643-B991-A4BE8CDC438F}" type="datetimeFigureOut">
-              <a:t>07/03/2025</a:t>
+              <a:t>31/03/2025</a:t>
             </a:fld>
             <a:endParaRPr lang="fr-FR"/>
           </a:p>
@@ -1208,7 +1316,7 @@
           <a:lstStyle/>
           <a:p>
             <a:fld id="{7017F4CF-FB7D-E643-B991-A4BE8CDC438F}" type="datetimeFigureOut">
-              <a:t>07/03/2025</a:t>
+              <a:t>31/03/2025</a:t>
             </a:fld>
             <a:endParaRPr lang="fr-FR"/>
           </a:p>
@@ -1404,7 +1512,7 @@
           <a:lstStyle/>
           <a:p>
             <a:fld id="{7017F4CF-FB7D-E643-B991-A4BE8CDC438F}" type="datetimeFigureOut">
-              <a:t>07/03/2025</a:t>
+              <a:t>31/03/2025</a:t>
             </a:fld>
             <a:endParaRPr lang="fr-FR"/>
           </a:p>
@@ -1677,7 +1785,7 @@
           <a:lstStyle/>
           <a:p>
             <a:fld id="{7017F4CF-FB7D-E643-B991-A4BE8CDC438F}" type="datetimeFigureOut">
-              <a:t>07/03/2025</a:t>
+              <a:t>31/03/2025</a:t>
             </a:fld>
             <a:endParaRPr lang="fr-FR"/>
           </a:p>
@@ -1940,7 +2048,7 @@
           <a:lstStyle/>
           <a:p>
             <a:fld id="{7017F4CF-FB7D-E643-B991-A4BE8CDC438F}" type="datetimeFigureOut">
-              <a:t>07/03/2025</a:t>
+              <a:t>31/03/2025</a:t>
             </a:fld>
             <a:endParaRPr lang="fr-FR"/>
           </a:p>
@@ -2350,7 +2458,7 @@
           <a:lstStyle/>
           <a:p>
             <a:fld id="{7017F4CF-FB7D-E643-B991-A4BE8CDC438F}" type="datetimeFigureOut">
-              <a:t>07/03/2025</a:t>
+              <a:t>31/03/2025</a:t>
             </a:fld>
             <a:endParaRPr lang="fr-FR"/>
           </a:p>
@@ -2489,7 +2597,7 @@
           <a:lstStyle/>
           <a:p>
             <a:fld id="{7017F4CF-FB7D-E643-B991-A4BE8CDC438F}" type="datetimeFigureOut">
-              <a:t>07/03/2025</a:t>
+              <a:t>31/03/2025</a:t>
             </a:fld>
             <a:endParaRPr lang="fr-FR"/>
           </a:p>
@@ -2600,7 +2708,7 @@
           <a:lstStyle/>
           <a:p>
             <a:fld id="{7017F4CF-FB7D-E643-B991-A4BE8CDC438F}" type="datetimeFigureOut">
-              <a:t>07/03/2025</a:t>
+              <a:t>31/03/2025</a:t>
             </a:fld>
             <a:endParaRPr lang="fr-FR"/>
           </a:p>
@@ -2909,7 +3017,7 @@
           <a:lstStyle/>
           <a:p>
             <a:fld id="{7017F4CF-FB7D-E643-B991-A4BE8CDC438F}" type="datetimeFigureOut">
-              <a:t>07/03/2025</a:t>
+              <a:t>31/03/2025</a:t>
             </a:fld>
             <a:endParaRPr lang="fr-FR"/>
           </a:p>
@@ -3195,7 +3303,7 @@
           <a:lstStyle/>
           <a:p>
             <a:fld id="{7017F4CF-FB7D-E643-B991-A4BE8CDC438F}" type="datetimeFigureOut">
-              <a:t>07/03/2025</a:t>
+              <a:t>31/03/2025</a:t>
             </a:fld>
             <a:endParaRPr lang="fr-FR"/>
           </a:p>
@@ -3434,7 +3542,7 @@
           </a:lstStyle>
           <a:p>
             <a:fld id="{7017F4CF-FB7D-E643-B991-A4BE8CDC438F}" type="datetimeFigureOut">
-              <a:t>07/03/2025</a:t>
+              <a:t>31/03/2025</a:t>
             </a:fld>
             <a:endParaRPr lang="fr-FR"/>
           </a:p>
@@ -3953,6 +4061,1283 @@
     <p:extLst>
       <p:ext uri="{BB962C8B-B14F-4D97-AF65-F5344CB8AC3E}">
         <p14:creationId xmlns:p14="http://schemas.microsoft.com/office/powerpoint/2010/main" val="1251846146"/>
+      </p:ext>
+    </p:extLst>
+  </p:cSld>
+  <p:clrMapOvr>
+    <a:masterClrMapping/>
+  </p:clrMapOvr>
+</p:sld>
+</file>
+
+<file path=ppt/slides/slide10.xml><?xml version="1.0" encoding="utf-8"?>
+<p:sld xmlns:a="http://schemas.openxmlformats.org/drawingml/2006/main" xmlns:r="http://schemas.openxmlformats.org/officeDocument/2006/relationships" xmlns:p="http://schemas.openxmlformats.org/presentationml/2006/main">
+  <p:cSld>
+    <p:spTree>
+      <p:nvGrpSpPr>
+        <p:cNvPr id="1" name="">
+          <a:extLst>
+            <a:ext uri="{FF2B5EF4-FFF2-40B4-BE49-F238E27FC236}">
+              <a16:creationId xmlns:a16="http://schemas.microsoft.com/office/drawing/2014/main" id="{823364F2-4C23-33E0-442A-F7E1100B6DBA}"/>
+            </a:ext>
+          </a:extLst>
+        </p:cNvPr>
+        <p:cNvGrpSpPr/>
+        <p:nvPr/>
+      </p:nvGrpSpPr>
+      <p:grpSpPr>
+        <a:xfrm>
+          <a:off x="0" y="0"/>
+          <a:ext cx="0" cy="0"/>
+          <a:chOff x="0" y="0"/>
+          <a:chExt cx="0" cy="0"/>
+        </a:xfrm>
+      </p:grpSpPr>
+      <p:grpSp>
+        <p:nvGrpSpPr>
+          <p:cNvPr id="19" name="Groupe 18">
+            <a:extLst>
+              <a:ext uri="{FF2B5EF4-FFF2-40B4-BE49-F238E27FC236}">
+                <a16:creationId xmlns:a16="http://schemas.microsoft.com/office/drawing/2014/main" id="{119F7333-FBB7-168D-A042-901E61C3CFEF}"/>
+              </a:ext>
+            </a:extLst>
+          </p:cNvPr>
+          <p:cNvGrpSpPr/>
+          <p:nvPr/>
+        </p:nvGrpSpPr>
+        <p:grpSpPr>
+          <a:xfrm>
+            <a:off x="4990174" y="760340"/>
+            <a:ext cx="1533654" cy="584775"/>
+            <a:chOff x="2701544" y="1851593"/>
+            <a:chExt cx="1533654" cy="584775"/>
+          </a:xfrm>
+        </p:grpSpPr>
+        <p:pic>
+          <p:nvPicPr>
+            <p:cNvPr id="13" name="Picture 2" descr="New Document Office Paper Word Svg Png Icon Free Download (#511618) -  OnlineWebFonts.COM">
+              <a:extLst>
+                <a:ext uri="{FF2B5EF4-FFF2-40B4-BE49-F238E27FC236}">
+                  <a16:creationId xmlns:a16="http://schemas.microsoft.com/office/drawing/2014/main" id="{1C4ADAD6-DFB6-BAB3-40A6-57FA464EB6E8}"/>
+                </a:ext>
+              </a:extLst>
+            </p:cNvPr>
+            <p:cNvPicPr>
+              <a:picLocks noChangeAspect="1" noChangeArrowheads="1"/>
+            </p:cNvPicPr>
+            <p:nvPr/>
+          </p:nvPicPr>
+          <p:blipFill rotWithShape="1">
+            <a:blip r:embed="rId3">
+              <a:extLst>
+                <a:ext uri="{28A0092B-C50C-407E-A947-70E740481C1C}">
+                  <a14:useLocalDpi xmlns:a14="http://schemas.microsoft.com/office/drawing/2010/main" val="0"/>
+                </a:ext>
+              </a:extLst>
+            </a:blip>
+            <a:srcRect l="14089" t="3599" r="14089" b="3245"/>
+            <a:stretch/>
+          </p:blipFill>
+          <p:spPr bwMode="auto">
+            <a:xfrm>
+              <a:off x="2701544" y="1897888"/>
+              <a:ext cx="415164" cy="538480"/>
+            </a:xfrm>
+            <a:prstGeom prst="rect">
+              <a:avLst/>
+            </a:prstGeom>
+            <a:noFill/>
+            <a:extLst>
+              <a:ext uri="{909E8E84-426E-40DD-AFC4-6F175D3DCCD1}">
+                <a14:hiddenFill xmlns:a14="http://schemas.microsoft.com/office/drawing/2010/main">
+                  <a:solidFill>
+                    <a:srgbClr val="FFFFFF"/>
+                  </a:solidFill>
+                </a14:hiddenFill>
+              </a:ext>
+            </a:extLst>
+          </p:spPr>
+        </p:pic>
+        <p:sp>
+          <p:nvSpPr>
+            <p:cNvPr id="16" name="ZoneTexte 15">
+              <a:extLst>
+                <a:ext uri="{FF2B5EF4-FFF2-40B4-BE49-F238E27FC236}">
+                  <a16:creationId xmlns:a16="http://schemas.microsoft.com/office/drawing/2014/main" id="{E10B8BA4-BE07-B2C0-4973-76C8BC2081B5}"/>
+                </a:ext>
+              </a:extLst>
+            </p:cNvPr>
+            <p:cNvSpPr txBox="1"/>
+            <p:nvPr/>
+          </p:nvSpPr>
+          <p:spPr>
+            <a:xfrm>
+              <a:off x="3100657" y="1851593"/>
+              <a:ext cx="1134541" cy="584775"/>
+            </a:xfrm>
+            <a:prstGeom prst="rect">
+              <a:avLst/>
+            </a:prstGeom>
+            <a:noFill/>
+          </p:spPr>
+          <p:txBody>
+            <a:bodyPr wrap="none" rtlCol="0">
+              <a:spAutoFit/>
+            </a:bodyPr>
+            <a:lstStyle/>
+            <a:p>
+              <a:r>
+                <a:rPr lang="fr-FR" b="1"/>
+                <a:t>Step 1:</a:t>
+              </a:r>
+            </a:p>
+            <a:p>
+              <a:r>
+                <a:rPr lang="fr-FR" sz="1400"/>
+                <a:t>Collect data</a:t>
+              </a:r>
+            </a:p>
+          </p:txBody>
+        </p:sp>
+      </p:grpSp>
+      <p:sp>
+        <p:nvSpPr>
+          <p:cNvPr id="81" name="ZoneTexte 80">
+            <a:extLst>
+              <a:ext uri="{FF2B5EF4-FFF2-40B4-BE49-F238E27FC236}">
+                <a16:creationId xmlns:a16="http://schemas.microsoft.com/office/drawing/2014/main" id="{694EB9F7-602B-82AE-EA91-547C2FD52A66}"/>
+              </a:ext>
+            </a:extLst>
+          </p:cNvPr>
+          <p:cNvSpPr txBox="1"/>
+          <p:nvPr/>
+        </p:nvSpPr>
+        <p:spPr>
+          <a:xfrm>
+            <a:off x="111075" y="146393"/>
+            <a:ext cx="4590616" cy="461665"/>
+          </a:xfrm>
+          <a:prstGeom prst="rect">
+            <a:avLst/>
+          </a:prstGeom>
+          <a:noFill/>
+        </p:spPr>
+        <p:txBody>
+          <a:bodyPr wrap="none" rtlCol="0">
+            <a:spAutoFit/>
+          </a:bodyPr>
+          <a:lstStyle/>
+          <a:p>
+            <a:r>
+              <a:rPr lang="fr-FR" sz="2400" b="1">
+                <a:latin typeface="Avenir Black" panose="02000503020000020003" pitchFamily="2" charset="0"/>
+                <a:cs typeface="Beirut" pitchFamily="2" charset="-78"/>
+              </a:rPr>
+              <a:t>MMSYN tutorials organization</a:t>
+            </a:r>
+          </a:p>
+        </p:txBody>
+      </p:sp>
+      <p:grpSp>
+        <p:nvGrpSpPr>
+          <p:cNvPr id="41" name="Groupe 40">
+            <a:extLst>
+              <a:ext uri="{FF2B5EF4-FFF2-40B4-BE49-F238E27FC236}">
+                <a16:creationId xmlns:a16="http://schemas.microsoft.com/office/drawing/2014/main" id="{56D755FC-B6F3-71CC-5AFB-6C29DF59717C}"/>
+              </a:ext>
+            </a:extLst>
+          </p:cNvPr>
+          <p:cNvGrpSpPr/>
+          <p:nvPr/>
+        </p:nvGrpSpPr>
+        <p:grpSpPr>
+          <a:xfrm>
+            <a:off x="4990174" y="1682762"/>
+            <a:ext cx="2594394" cy="584775"/>
+            <a:chOff x="2701544" y="1851593"/>
+            <a:chExt cx="2594394" cy="584775"/>
+          </a:xfrm>
+        </p:grpSpPr>
+        <p:pic>
+          <p:nvPicPr>
+            <p:cNvPr id="43" name="Picture 2" descr="New Document Office Paper Word Svg Png Icon Free Download (#511618) -  OnlineWebFonts.COM">
+              <a:extLst>
+                <a:ext uri="{FF2B5EF4-FFF2-40B4-BE49-F238E27FC236}">
+                  <a16:creationId xmlns:a16="http://schemas.microsoft.com/office/drawing/2014/main" id="{D5F28290-549A-BB9E-1BD5-447EE5B8F19C}"/>
+                </a:ext>
+              </a:extLst>
+            </p:cNvPr>
+            <p:cNvPicPr>
+              <a:picLocks noChangeAspect="1" noChangeArrowheads="1"/>
+            </p:cNvPicPr>
+            <p:nvPr/>
+          </p:nvPicPr>
+          <p:blipFill rotWithShape="1">
+            <a:blip r:embed="rId3">
+              <a:extLst>
+                <a:ext uri="{28A0092B-C50C-407E-A947-70E740481C1C}">
+                  <a14:useLocalDpi xmlns:a14="http://schemas.microsoft.com/office/drawing/2010/main" val="0"/>
+                </a:ext>
+              </a:extLst>
+            </a:blip>
+            <a:srcRect l="14089" t="3599" r="14089" b="3245"/>
+            <a:stretch/>
+          </p:blipFill>
+          <p:spPr bwMode="auto">
+            <a:xfrm>
+              <a:off x="2701544" y="1897888"/>
+              <a:ext cx="415164" cy="538480"/>
+            </a:xfrm>
+            <a:prstGeom prst="rect">
+              <a:avLst/>
+            </a:prstGeom>
+            <a:noFill/>
+            <a:extLst>
+              <a:ext uri="{909E8E84-426E-40DD-AFC4-6F175D3DCCD1}">
+                <a14:hiddenFill xmlns:a14="http://schemas.microsoft.com/office/drawing/2010/main">
+                  <a:solidFill>
+                    <a:srgbClr val="FFFFFF"/>
+                  </a:solidFill>
+                </a14:hiddenFill>
+              </a:ext>
+            </a:extLst>
+          </p:spPr>
+        </p:pic>
+        <p:sp>
+          <p:nvSpPr>
+            <p:cNvPr id="44" name="ZoneTexte 43">
+              <a:extLst>
+                <a:ext uri="{FF2B5EF4-FFF2-40B4-BE49-F238E27FC236}">
+                  <a16:creationId xmlns:a16="http://schemas.microsoft.com/office/drawing/2014/main" id="{CBE19D52-857F-FFF4-65D0-3E4A83FE02C7}"/>
+                </a:ext>
+              </a:extLst>
+            </p:cNvPr>
+            <p:cNvSpPr txBox="1"/>
+            <p:nvPr/>
+          </p:nvSpPr>
+          <p:spPr>
+            <a:xfrm>
+              <a:off x="3100657" y="1851593"/>
+              <a:ext cx="2195281" cy="584775"/>
+            </a:xfrm>
+            <a:prstGeom prst="rect">
+              <a:avLst/>
+            </a:prstGeom>
+            <a:noFill/>
+          </p:spPr>
+          <p:txBody>
+            <a:bodyPr wrap="none" rtlCol="0">
+              <a:spAutoFit/>
+            </a:bodyPr>
+            <a:lstStyle/>
+            <a:p>
+              <a:r>
+                <a:rPr lang="fr-FR" b="1"/>
+                <a:t>Step 2:</a:t>
+              </a:r>
+            </a:p>
+            <a:p>
+              <a:pPr algn="ctr"/>
+              <a:r>
+                <a:rPr lang="fr-FR" sz="1400"/>
+                <a:t>Check mass conservation</a:t>
+              </a:r>
+            </a:p>
+          </p:txBody>
+        </p:sp>
+      </p:grpSp>
+      <p:cxnSp>
+        <p:nvCxnSpPr>
+          <p:cNvPr id="45" name="Connecteur droit avec flèche 44">
+            <a:extLst>
+              <a:ext uri="{FF2B5EF4-FFF2-40B4-BE49-F238E27FC236}">
+                <a16:creationId xmlns:a16="http://schemas.microsoft.com/office/drawing/2014/main" id="{33851A98-A8F7-495F-B181-7FE25F1F1ABD}"/>
+              </a:ext>
+            </a:extLst>
+          </p:cNvPr>
+          <p:cNvCxnSpPr>
+            <a:cxnSpLocks/>
+            <a:stCxn id="13" idx="2"/>
+            <a:endCxn id="43" idx="0"/>
+          </p:cNvCxnSpPr>
+          <p:nvPr/>
+        </p:nvCxnSpPr>
+        <p:spPr>
+          <a:xfrm>
+            <a:off x="5197756" y="1345115"/>
+            <a:ext cx="0" cy="383942"/>
+          </a:xfrm>
+          <a:prstGeom prst="straightConnector1">
+            <a:avLst/>
+          </a:prstGeom>
+          <a:ln>
+            <a:tailEnd type="triangle" w="lg" len="lg"/>
+          </a:ln>
+        </p:spPr>
+        <p:style>
+          <a:lnRef idx="2">
+            <a:schemeClr val="dk1"/>
+          </a:lnRef>
+          <a:fillRef idx="0">
+            <a:schemeClr val="dk1"/>
+          </a:fillRef>
+          <a:effectRef idx="1">
+            <a:schemeClr val="dk1"/>
+          </a:effectRef>
+          <a:fontRef idx="minor">
+            <a:schemeClr val="tx1"/>
+          </a:fontRef>
+        </p:style>
+      </p:cxnSp>
+      <p:grpSp>
+        <p:nvGrpSpPr>
+          <p:cNvPr id="48" name="Groupe 47">
+            <a:extLst>
+              <a:ext uri="{FF2B5EF4-FFF2-40B4-BE49-F238E27FC236}">
+                <a16:creationId xmlns:a16="http://schemas.microsoft.com/office/drawing/2014/main" id="{B865708B-E4E9-2F5C-9067-B5F7399E01D0}"/>
+              </a:ext>
+            </a:extLst>
+          </p:cNvPr>
+          <p:cNvGrpSpPr/>
+          <p:nvPr/>
+        </p:nvGrpSpPr>
+        <p:grpSpPr>
+          <a:xfrm>
+            <a:off x="2376337" y="2922810"/>
+            <a:ext cx="1705882" cy="584775"/>
+            <a:chOff x="2701544" y="1851593"/>
+            <a:chExt cx="1705882" cy="584775"/>
+          </a:xfrm>
+        </p:grpSpPr>
+        <p:pic>
+          <p:nvPicPr>
+            <p:cNvPr id="49" name="Picture 2" descr="New Document Office Paper Word Svg Png Icon Free Download (#511618) -  OnlineWebFonts.COM">
+              <a:extLst>
+                <a:ext uri="{FF2B5EF4-FFF2-40B4-BE49-F238E27FC236}">
+                  <a16:creationId xmlns:a16="http://schemas.microsoft.com/office/drawing/2014/main" id="{3609FB38-BABF-D404-B1CD-2A2569BCD934}"/>
+                </a:ext>
+              </a:extLst>
+            </p:cNvPr>
+            <p:cNvPicPr>
+              <a:picLocks noChangeAspect="1" noChangeArrowheads="1"/>
+            </p:cNvPicPr>
+            <p:nvPr/>
+          </p:nvPicPr>
+          <p:blipFill rotWithShape="1">
+            <a:blip r:embed="rId3">
+              <a:extLst>
+                <a:ext uri="{28A0092B-C50C-407E-A947-70E740481C1C}">
+                  <a14:useLocalDpi xmlns:a14="http://schemas.microsoft.com/office/drawing/2010/main" val="0"/>
+                </a:ext>
+              </a:extLst>
+            </a:blip>
+            <a:srcRect l="14089" t="3599" r="14089" b="3245"/>
+            <a:stretch/>
+          </p:blipFill>
+          <p:spPr bwMode="auto">
+            <a:xfrm>
+              <a:off x="2701544" y="1897888"/>
+              <a:ext cx="415164" cy="538480"/>
+            </a:xfrm>
+            <a:prstGeom prst="rect">
+              <a:avLst/>
+            </a:prstGeom>
+            <a:noFill/>
+            <a:extLst>
+              <a:ext uri="{909E8E84-426E-40DD-AFC4-6F175D3DCCD1}">
+                <a14:hiddenFill xmlns:a14="http://schemas.microsoft.com/office/drawing/2010/main">
+                  <a:solidFill>
+                    <a:srgbClr val="FFFFFF"/>
+                  </a:solidFill>
+                </a14:hiddenFill>
+              </a:ext>
+            </a:extLst>
+          </p:spPr>
+        </p:pic>
+        <p:sp>
+          <p:nvSpPr>
+            <p:cNvPr id="50" name="ZoneTexte 49">
+              <a:extLst>
+                <a:ext uri="{FF2B5EF4-FFF2-40B4-BE49-F238E27FC236}">
+                  <a16:creationId xmlns:a16="http://schemas.microsoft.com/office/drawing/2014/main" id="{5BAE35DF-82E1-37DB-6CF3-42B943845296}"/>
+                </a:ext>
+              </a:extLst>
+            </p:cNvPr>
+            <p:cNvSpPr txBox="1"/>
+            <p:nvPr/>
+          </p:nvSpPr>
+          <p:spPr>
+            <a:xfrm>
+              <a:off x="3100657" y="1851593"/>
+              <a:ext cx="1306769" cy="584775"/>
+            </a:xfrm>
+            <a:prstGeom prst="rect">
+              <a:avLst/>
+            </a:prstGeom>
+            <a:noFill/>
+          </p:spPr>
+          <p:txBody>
+            <a:bodyPr wrap="none" rtlCol="0">
+              <a:spAutoFit/>
+            </a:bodyPr>
+            <a:lstStyle/>
+            <a:p>
+              <a:r>
+                <a:rPr lang="fr-FR" b="1"/>
+                <a:t>Step 3:</a:t>
+              </a:r>
+            </a:p>
+            <a:p>
+              <a:pPr algn="ctr"/>
+              <a:r>
+                <a:rPr lang="fr-FR" sz="1400"/>
+                <a:t>Edit the model</a:t>
+              </a:r>
+            </a:p>
+          </p:txBody>
+        </p:sp>
+      </p:grpSp>
+      <p:grpSp>
+        <p:nvGrpSpPr>
+          <p:cNvPr id="51" name="Groupe 50">
+            <a:extLst>
+              <a:ext uri="{FF2B5EF4-FFF2-40B4-BE49-F238E27FC236}">
+                <a16:creationId xmlns:a16="http://schemas.microsoft.com/office/drawing/2014/main" id="{49E65C74-7153-E3A4-D25E-7B16A9B7DAA9}"/>
+              </a:ext>
+            </a:extLst>
+          </p:cNvPr>
+          <p:cNvGrpSpPr/>
+          <p:nvPr/>
+        </p:nvGrpSpPr>
+        <p:grpSpPr>
+          <a:xfrm>
+            <a:off x="1199254" y="4114754"/>
+            <a:ext cx="1762691" cy="800219"/>
+            <a:chOff x="2701544" y="1764968"/>
+            <a:chExt cx="1762691" cy="800219"/>
+          </a:xfrm>
+        </p:grpSpPr>
+        <p:pic>
+          <p:nvPicPr>
+            <p:cNvPr id="53" name="Picture 2" descr="New Document Office Paper Word Svg Png Icon Free Download (#511618) -  OnlineWebFonts.COM">
+              <a:extLst>
+                <a:ext uri="{FF2B5EF4-FFF2-40B4-BE49-F238E27FC236}">
+                  <a16:creationId xmlns:a16="http://schemas.microsoft.com/office/drawing/2014/main" id="{85FBEF1D-807E-1D95-96C1-9C5C1CC6A9D2}"/>
+                </a:ext>
+              </a:extLst>
+            </p:cNvPr>
+            <p:cNvPicPr>
+              <a:picLocks noChangeAspect="1" noChangeArrowheads="1"/>
+            </p:cNvPicPr>
+            <p:nvPr/>
+          </p:nvPicPr>
+          <p:blipFill rotWithShape="1">
+            <a:blip r:embed="rId3">
+              <a:extLst>
+                <a:ext uri="{28A0092B-C50C-407E-A947-70E740481C1C}">
+                  <a14:useLocalDpi xmlns:a14="http://schemas.microsoft.com/office/drawing/2010/main" val="0"/>
+                </a:ext>
+              </a:extLst>
+            </a:blip>
+            <a:srcRect l="14089" t="3599" r="14089" b="3245"/>
+            <a:stretch/>
+          </p:blipFill>
+          <p:spPr bwMode="auto">
+            <a:xfrm>
+              <a:off x="2701544" y="1897888"/>
+              <a:ext cx="415164" cy="538480"/>
+            </a:xfrm>
+            <a:prstGeom prst="rect">
+              <a:avLst/>
+            </a:prstGeom>
+            <a:noFill/>
+            <a:extLst>
+              <a:ext uri="{909E8E84-426E-40DD-AFC4-6F175D3DCCD1}">
+                <a14:hiddenFill xmlns:a14="http://schemas.microsoft.com/office/drawing/2010/main">
+                  <a:solidFill>
+                    <a:srgbClr val="FFFFFF"/>
+                  </a:solidFill>
+                </a14:hiddenFill>
+              </a:ext>
+            </a:extLst>
+          </p:spPr>
+        </p:pic>
+        <p:sp>
+          <p:nvSpPr>
+            <p:cNvPr id="54" name="ZoneTexte 53">
+              <a:extLst>
+                <a:ext uri="{FF2B5EF4-FFF2-40B4-BE49-F238E27FC236}">
+                  <a16:creationId xmlns:a16="http://schemas.microsoft.com/office/drawing/2014/main" id="{F6F277A2-037E-D55E-B14A-CAD09E6512AC}"/>
+                </a:ext>
+              </a:extLst>
+            </p:cNvPr>
+            <p:cNvSpPr txBox="1"/>
+            <p:nvPr/>
+          </p:nvSpPr>
+          <p:spPr>
+            <a:xfrm>
+              <a:off x="3100657" y="1764968"/>
+              <a:ext cx="1363578" cy="800219"/>
+            </a:xfrm>
+            <a:prstGeom prst="rect">
+              <a:avLst/>
+            </a:prstGeom>
+            <a:noFill/>
+          </p:spPr>
+          <p:txBody>
+            <a:bodyPr wrap="none" rtlCol="0">
+              <a:spAutoFit/>
+            </a:bodyPr>
+            <a:lstStyle/>
+            <a:p>
+              <a:r>
+                <a:rPr lang="fr-FR" b="1"/>
+                <a:t>Step 4:</a:t>
+              </a:r>
+            </a:p>
+            <a:p>
+              <a:r>
+                <a:rPr lang="fr-FR" sz="1400"/>
+                <a:t>Build complete</a:t>
+              </a:r>
+            </a:p>
+            <a:p>
+              <a:r>
+                <a:rPr lang="fr-FR" sz="1400"/>
+                <a:t>GBA model</a:t>
+              </a:r>
+            </a:p>
+          </p:txBody>
+        </p:sp>
+      </p:grpSp>
+      <p:grpSp>
+        <p:nvGrpSpPr>
+          <p:cNvPr id="55" name="Groupe 54">
+            <a:extLst>
+              <a:ext uri="{FF2B5EF4-FFF2-40B4-BE49-F238E27FC236}">
+                <a16:creationId xmlns:a16="http://schemas.microsoft.com/office/drawing/2014/main" id="{84D06DFF-7486-7DD3-97E3-9009C9ABD94B}"/>
+              </a:ext>
+            </a:extLst>
+          </p:cNvPr>
+          <p:cNvGrpSpPr/>
+          <p:nvPr/>
+        </p:nvGrpSpPr>
+        <p:grpSpPr>
+          <a:xfrm>
+            <a:off x="3553966" y="4114754"/>
+            <a:ext cx="2315592" cy="800219"/>
+            <a:chOff x="2701544" y="1764968"/>
+            <a:chExt cx="2315592" cy="800219"/>
+          </a:xfrm>
+        </p:grpSpPr>
+        <p:pic>
+          <p:nvPicPr>
+            <p:cNvPr id="58" name="Picture 2" descr="New Document Office Paper Word Svg Png Icon Free Download (#511618) -  OnlineWebFonts.COM">
+              <a:extLst>
+                <a:ext uri="{FF2B5EF4-FFF2-40B4-BE49-F238E27FC236}">
+                  <a16:creationId xmlns:a16="http://schemas.microsoft.com/office/drawing/2014/main" id="{56ABF68A-8E1D-9742-23CA-0C3F5420DE8B}"/>
+                </a:ext>
+              </a:extLst>
+            </p:cNvPr>
+            <p:cNvPicPr>
+              <a:picLocks noChangeAspect="1" noChangeArrowheads="1"/>
+            </p:cNvPicPr>
+            <p:nvPr/>
+          </p:nvPicPr>
+          <p:blipFill rotWithShape="1">
+            <a:blip r:embed="rId3">
+              <a:extLst>
+                <a:ext uri="{28A0092B-C50C-407E-A947-70E740481C1C}">
+                  <a14:useLocalDpi xmlns:a14="http://schemas.microsoft.com/office/drawing/2010/main" val="0"/>
+                </a:ext>
+              </a:extLst>
+            </a:blip>
+            <a:srcRect l="14089" t="3599" r="14089" b="3245"/>
+            <a:stretch/>
+          </p:blipFill>
+          <p:spPr bwMode="auto">
+            <a:xfrm>
+              <a:off x="2701544" y="1897888"/>
+              <a:ext cx="415164" cy="538480"/>
+            </a:xfrm>
+            <a:prstGeom prst="rect">
+              <a:avLst/>
+            </a:prstGeom>
+            <a:noFill/>
+            <a:extLst>
+              <a:ext uri="{909E8E84-426E-40DD-AFC4-6F175D3DCCD1}">
+                <a14:hiddenFill xmlns:a14="http://schemas.microsoft.com/office/drawing/2010/main">
+                  <a:solidFill>
+                    <a:srgbClr val="FFFFFF"/>
+                  </a:solidFill>
+                </a14:hiddenFill>
+              </a:ext>
+            </a:extLst>
+          </p:spPr>
+        </p:pic>
+        <p:sp>
+          <p:nvSpPr>
+            <p:cNvPr id="59" name="ZoneTexte 58">
+              <a:extLst>
+                <a:ext uri="{FF2B5EF4-FFF2-40B4-BE49-F238E27FC236}">
+                  <a16:creationId xmlns:a16="http://schemas.microsoft.com/office/drawing/2014/main" id="{C96C41E6-9310-BCA0-94D9-0DDFF5C9A171}"/>
+                </a:ext>
+              </a:extLst>
+            </p:cNvPr>
+            <p:cNvSpPr txBox="1"/>
+            <p:nvPr/>
+          </p:nvSpPr>
+          <p:spPr>
+            <a:xfrm>
+              <a:off x="3092122" y="1764968"/>
+              <a:ext cx="1925014" cy="800219"/>
+            </a:xfrm>
+            <a:prstGeom prst="rect">
+              <a:avLst/>
+            </a:prstGeom>
+            <a:noFill/>
+          </p:spPr>
+          <p:txBody>
+            <a:bodyPr wrap="none" rtlCol="0">
+              <a:spAutoFit/>
+            </a:bodyPr>
+            <a:lstStyle/>
+            <a:p>
+              <a:r>
+                <a:rPr lang="fr-FR" b="1"/>
+                <a:t>Step 5:</a:t>
+              </a:r>
+            </a:p>
+            <a:p>
+              <a:pPr algn="ctr"/>
+              <a:r>
+                <a:rPr lang="fr-FR" sz="1400"/>
+                <a:t>Build full column-rank</a:t>
+              </a:r>
+            </a:p>
+            <a:p>
+              <a:r>
+                <a:rPr lang="fr-FR" sz="1400"/>
+                <a:t>GBA model</a:t>
+              </a:r>
+            </a:p>
+          </p:txBody>
+        </p:sp>
+      </p:grpSp>
+      <p:cxnSp>
+        <p:nvCxnSpPr>
+          <p:cNvPr id="60" name="Connecteur en angle 59">
+            <a:extLst>
+              <a:ext uri="{FF2B5EF4-FFF2-40B4-BE49-F238E27FC236}">
+                <a16:creationId xmlns:a16="http://schemas.microsoft.com/office/drawing/2014/main" id="{C0AC05F4-849C-51F3-0AF3-26ADB0F08B84}"/>
+              </a:ext>
+            </a:extLst>
+          </p:cNvPr>
+          <p:cNvCxnSpPr>
+            <a:cxnSpLocks/>
+            <a:stCxn id="43" idx="2"/>
+            <a:endCxn id="49" idx="0"/>
+          </p:cNvCxnSpPr>
+          <p:nvPr/>
+        </p:nvCxnSpPr>
+        <p:spPr>
+          <a:xfrm rot="5400000">
+            <a:off x="3540054" y="1311403"/>
+            <a:ext cx="701568" cy="2613837"/>
+          </a:xfrm>
+          <a:prstGeom prst="bentConnector3">
+            <a:avLst>
+              <a:gd name="adj1" fmla="val 50000"/>
+            </a:avLst>
+          </a:prstGeom>
+          <a:ln w="19050">
+            <a:tailEnd type="triangle" w="lg" len="lg"/>
+          </a:ln>
+        </p:spPr>
+        <p:style>
+          <a:lnRef idx="1">
+            <a:schemeClr val="dk1"/>
+          </a:lnRef>
+          <a:fillRef idx="0">
+            <a:schemeClr val="dk1"/>
+          </a:fillRef>
+          <a:effectRef idx="0">
+            <a:schemeClr val="dk1"/>
+          </a:effectRef>
+          <a:fontRef idx="minor">
+            <a:schemeClr val="tx1"/>
+          </a:fontRef>
+        </p:style>
+      </p:cxnSp>
+      <p:cxnSp>
+        <p:nvCxnSpPr>
+          <p:cNvPr id="64" name="Connecteur en angle 63">
+            <a:extLst>
+              <a:ext uri="{FF2B5EF4-FFF2-40B4-BE49-F238E27FC236}">
+                <a16:creationId xmlns:a16="http://schemas.microsoft.com/office/drawing/2014/main" id="{92803F77-3A78-380F-74CE-0BF99C807370}"/>
+              </a:ext>
+            </a:extLst>
+          </p:cNvPr>
+          <p:cNvCxnSpPr>
+            <a:cxnSpLocks/>
+            <a:stCxn id="49" idx="2"/>
+            <a:endCxn id="53" idx="0"/>
+          </p:cNvCxnSpPr>
+          <p:nvPr/>
+        </p:nvCxnSpPr>
+        <p:spPr>
+          <a:xfrm rot="5400000">
+            <a:off x="1625334" y="3289088"/>
+            <a:ext cx="740089" cy="1177083"/>
+          </a:xfrm>
+          <a:prstGeom prst="bentConnector3">
+            <a:avLst>
+              <a:gd name="adj1" fmla="val 50000"/>
+            </a:avLst>
+          </a:prstGeom>
+          <a:ln w="19050">
+            <a:tailEnd type="triangle" w="lg" len="lg"/>
+          </a:ln>
+        </p:spPr>
+        <p:style>
+          <a:lnRef idx="1">
+            <a:schemeClr val="dk1"/>
+          </a:lnRef>
+          <a:fillRef idx="0">
+            <a:schemeClr val="dk1"/>
+          </a:fillRef>
+          <a:effectRef idx="0">
+            <a:schemeClr val="dk1"/>
+          </a:effectRef>
+          <a:fontRef idx="minor">
+            <a:schemeClr val="tx1"/>
+          </a:fontRef>
+        </p:style>
+      </p:cxnSp>
+      <p:cxnSp>
+        <p:nvCxnSpPr>
+          <p:cNvPr id="67" name="Connecteur en angle 66">
+            <a:extLst>
+              <a:ext uri="{FF2B5EF4-FFF2-40B4-BE49-F238E27FC236}">
+                <a16:creationId xmlns:a16="http://schemas.microsoft.com/office/drawing/2014/main" id="{25F251E0-AAD7-9D38-5946-7847426D668D}"/>
+              </a:ext>
+            </a:extLst>
+          </p:cNvPr>
+          <p:cNvCxnSpPr>
+            <a:cxnSpLocks/>
+            <a:stCxn id="49" idx="2"/>
+            <a:endCxn id="58" idx="0"/>
+          </p:cNvCxnSpPr>
+          <p:nvPr/>
+        </p:nvCxnSpPr>
+        <p:spPr>
+          <a:xfrm rot="16200000" flipH="1">
+            <a:off x="2802689" y="3288814"/>
+            <a:ext cx="740089" cy="1177629"/>
+          </a:xfrm>
+          <a:prstGeom prst="bentConnector3">
+            <a:avLst>
+              <a:gd name="adj1" fmla="val 50000"/>
+            </a:avLst>
+          </a:prstGeom>
+          <a:ln w="19050">
+            <a:tailEnd type="triangle" w="lg" len="lg"/>
+          </a:ln>
+        </p:spPr>
+        <p:style>
+          <a:lnRef idx="1">
+            <a:schemeClr val="dk1"/>
+          </a:lnRef>
+          <a:fillRef idx="0">
+            <a:schemeClr val="dk1"/>
+          </a:fillRef>
+          <a:effectRef idx="0">
+            <a:schemeClr val="dk1"/>
+          </a:effectRef>
+          <a:fontRef idx="minor">
+            <a:schemeClr val="tx1"/>
+          </a:fontRef>
+        </p:style>
+      </p:cxnSp>
+      <p:grpSp>
+        <p:nvGrpSpPr>
+          <p:cNvPr id="70" name="Groupe 69">
+            <a:extLst>
+              <a:ext uri="{FF2B5EF4-FFF2-40B4-BE49-F238E27FC236}">
+                <a16:creationId xmlns:a16="http://schemas.microsoft.com/office/drawing/2014/main" id="{E84C2225-C24B-762B-5D9F-9A701A9B8B85}"/>
+              </a:ext>
+            </a:extLst>
+          </p:cNvPr>
+          <p:cNvGrpSpPr/>
+          <p:nvPr/>
+        </p:nvGrpSpPr>
+        <p:grpSpPr>
+          <a:xfrm>
+            <a:off x="7530440" y="2836183"/>
+            <a:ext cx="1868874" cy="800219"/>
+            <a:chOff x="2701544" y="1764968"/>
+            <a:chExt cx="1868874" cy="800219"/>
+          </a:xfrm>
+        </p:grpSpPr>
+        <p:pic>
+          <p:nvPicPr>
+            <p:cNvPr id="71" name="Picture 2" descr="New Document Office Paper Word Svg Png Icon Free Download (#511618) -  OnlineWebFonts.COM">
+              <a:extLst>
+                <a:ext uri="{FF2B5EF4-FFF2-40B4-BE49-F238E27FC236}">
+                  <a16:creationId xmlns:a16="http://schemas.microsoft.com/office/drawing/2014/main" id="{DB68C68D-24DD-DE75-CAE7-35DA79C25CE0}"/>
+                </a:ext>
+              </a:extLst>
+            </p:cNvPr>
+            <p:cNvPicPr>
+              <a:picLocks noChangeAspect="1" noChangeArrowheads="1"/>
+            </p:cNvPicPr>
+            <p:nvPr/>
+          </p:nvPicPr>
+          <p:blipFill rotWithShape="1">
+            <a:blip r:embed="rId3">
+              <a:extLst>
+                <a:ext uri="{28A0092B-C50C-407E-A947-70E740481C1C}">
+                  <a14:useLocalDpi xmlns:a14="http://schemas.microsoft.com/office/drawing/2010/main" val="0"/>
+                </a:ext>
+              </a:extLst>
+            </a:blip>
+            <a:srcRect l="14089" t="3599" r="14089" b="3245"/>
+            <a:stretch/>
+          </p:blipFill>
+          <p:spPr bwMode="auto">
+            <a:xfrm>
+              <a:off x="2701544" y="1897888"/>
+              <a:ext cx="415164" cy="538480"/>
+            </a:xfrm>
+            <a:prstGeom prst="rect">
+              <a:avLst/>
+            </a:prstGeom>
+            <a:noFill/>
+            <a:extLst>
+              <a:ext uri="{909E8E84-426E-40DD-AFC4-6F175D3DCCD1}">
+                <a14:hiddenFill xmlns:a14="http://schemas.microsoft.com/office/drawing/2010/main">
+                  <a:solidFill>
+                    <a:srgbClr val="FFFFFF"/>
+                  </a:solidFill>
+                </a14:hiddenFill>
+              </a:ext>
+            </a:extLst>
+          </p:spPr>
+        </p:pic>
+        <p:sp>
+          <p:nvSpPr>
+            <p:cNvPr id="72" name="ZoneTexte 71">
+              <a:extLst>
+                <a:ext uri="{FF2B5EF4-FFF2-40B4-BE49-F238E27FC236}">
+                  <a16:creationId xmlns:a16="http://schemas.microsoft.com/office/drawing/2014/main" id="{F850100B-1B41-FBC7-A58E-04C5A960AECD}"/>
+                </a:ext>
+              </a:extLst>
+            </p:cNvPr>
+            <p:cNvSpPr txBox="1"/>
+            <p:nvPr/>
+          </p:nvSpPr>
+          <p:spPr>
+            <a:xfrm>
+              <a:off x="3100657" y="1764968"/>
+              <a:ext cx="1469761" cy="800219"/>
+            </a:xfrm>
+            <a:prstGeom prst="rect">
+              <a:avLst/>
+            </a:prstGeom>
+            <a:noFill/>
+          </p:spPr>
+          <p:txBody>
+            <a:bodyPr wrap="none" rtlCol="0">
+              <a:spAutoFit/>
+            </a:bodyPr>
+            <a:lstStyle/>
+            <a:p>
+              <a:r>
+                <a:rPr lang="fr-FR" b="1"/>
+                <a:t>Step 6:</a:t>
+              </a:r>
+            </a:p>
+            <a:p>
+              <a:r>
+                <a:rPr lang="fr-FR" sz="1400"/>
+                <a:t>Edit and simplify</a:t>
+              </a:r>
+            </a:p>
+            <a:p>
+              <a:r>
+                <a:rPr lang="fr-FR" sz="1400"/>
+                <a:t>the model</a:t>
+              </a:r>
+            </a:p>
+          </p:txBody>
+        </p:sp>
+      </p:grpSp>
+      <p:cxnSp>
+        <p:nvCxnSpPr>
+          <p:cNvPr id="73" name="Connecteur en angle 72">
+            <a:extLst>
+              <a:ext uri="{FF2B5EF4-FFF2-40B4-BE49-F238E27FC236}">
+                <a16:creationId xmlns:a16="http://schemas.microsoft.com/office/drawing/2014/main" id="{354364BE-40EB-AF68-D7F1-0A9B3FB7941D}"/>
+              </a:ext>
+            </a:extLst>
+          </p:cNvPr>
+          <p:cNvCxnSpPr>
+            <a:cxnSpLocks/>
+            <a:stCxn id="43" idx="2"/>
+            <a:endCxn id="71" idx="0"/>
+          </p:cNvCxnSpPr>
+          <p:nvPr/>
+        </p:nvCxnSpPr>
+        <p:spPr>
+          <a:xfrm rot="16200000" flipH="1">
+            <a:off x="6117106" y="1348187"/>
+            <a:ext cx="701566" cy="2540266"/>
+          </a:xfrm>
+          <a:prstGeom prst="bentConnector3">
+            <a:avLst>
+              <a:gd name="adj1" fmla="val 50000"/>
+            </a:avLst>
+          </a:prstGeom>
+          <a:ln w="19050">
+            <a:tailEnd type="triangle" w="lg" len="lg"/>
+          </a:ln>
+        </p:spPr>
+        <p:style>
+          <a:lnRef idx="1">
+            <a:schemeClr val="dk1"/>
+          </a:lnRef>
+          <a:fillRef idx="0">
+            <a:schemeClr val="dk1"/>
+          </a:fillRef>
+          <a:effectRef idx="0">
+            <a:schemeClr val="dk1"/>
+          </a:effectRef>
+          <a:fontRef idx="minor">
+            <a:schemeClr val="tx1"/>
+          </a:fontRef>
+        </p:style>
+      </p:cxnSp>
+      <p:grpSp>
+        <p:nvGrpSpPr>
+          <p:cNvPr id="76" name="Groupe 75">
+            <a:extLst>
+              <a:ext uri="{FF2B5EF4-FFF2-40B4-BE49-F238E27FC236}">
+                <a16:creationId xmlns:a16="http://schemas.microsoft.com/office/drawing/2014/main" id="{B6E72440-2AC9-B944-3605-D7CF1974D994}"/>
+              </a:ext>
+            </a:extLst>
+          </p:cNvPr>
+          <p:cNvGrpSpPr/>
+          <p:nvPr/>
+        </p:nvGrpSpPr>
+        <p:grpSpPr>
+          <a:xfrm>
+            <a:off x="6257100" y="4114753"/>
+            <a:ext cx="1762690" cy="800219"/>
+            <a:chOff x="2701544" y="1764967"/>
+            <a:chExt cx="1762690" cy="800219"/>
+          </a:xfrm>
+        </p:grpSpPr>
+        <p:pic>
+          <p:nvPicPr>
+            <p:cNvPr id="77" name="Picture 2" descr="New Document Office Paper Word Svg Png Icon Free Download (#511618) -  OnlineWebFonts.COM">
+              <a:extLst>
+                <a:ext uri="{FF2B5EF4-FFF2-40B4-BE49-F238E27FC236}">
+                  <a16:creationId xmlns:a16="http://schemas.microsoft.com/office/drawing/2014/main" id="{2F9278B2-4ED0-5283-DC8E-510026FD4ABB}"/>
+                </a:ext>
+              </a:extLst>
+            </p:cNvPr>
+            <p:cNvPicPr>
+              <a:picLocks noChangeAspect="1" noChangeArrowheads="1"/>
+            </p:cNvPicPr>
+            <p:nvPr/>
+          </p:nvPicPr>
+          <p:blipFill rotWithShape="1">
+            <a:blip r:embed="rId3">
+              <a:extLst>
+                <a:ext uri="{28A0092B-C50C-407E-A947-70E740481C1C}">
+                  <a14:useLocalDpi xmlns:a14="http://schemas.microsoft.com/office/drawing/2010/main" val="0"/>
+                </a:ext>
+              </a:extLst>
+            </a:blip>
+            <a:srcRect l="14089" t="3599" r="14089" b="3245"/>
+            <a:stretch/>
+          </p:blipFill>
+          <p:spPr bwMode="auto">
+            <a:xfrm>
+              <a:off x="2701544" y="1897888"/>
+              <a:ext cx="415164" cy="538480"/>
+            </a:xfrm>
+            <a:prstGeom prst="rect">
+              <a:avLst/>
+            </a:prstGeom>
+            <a:noFill/>
+            <a:extLst>
+              <a:ext uri="{909E8E84-426E-40DD-AFC4-6F175D3DCCD1}">
+                <a14:hiddenFill xmlns:a14="http://schemas.microsoft.com/office/drawing/2010/main">
+                  <a:solidFill>
+                    <a:srgbClr val="FFFFFF"/>
+                  </a:solidFill>
+                </a14:hiddenFill>
+              </a:ext>
+            </a:extLst>
+          </p:spPr>
+        </p:pic>
+        <p:sp>
+          <p:nvSpPr>
+            <p:cNvPr id="82" name="ZoneTexte 81">
+              <a:extLst>
+                <a:ext uri="{FF2B5EF4-FFF2-40B4-BE49-F238E27FC236}">
+                  <a16:creationId xmlns:a16="http://schemas.microsoft.com/office/drawing/2014/main" id="{237C4080-7D91-A162-3A53-8DE1E54825C6}"/>
+                </a:ext>
+              </a:extLst>
+            </p:cNvPr>
+            <p:cNvSpPr txBox="1"/>
+            <p:nvPr/>
+          </p:nvSpPr>
+          <p:spPr>
+            <a:xfrm>
+              <a:off x="3100656" y="1764967"/>
+              <a:ext cx="1363578" cy="800219"/>
+            </a:xfrm>
+            <a:prstGeom prst="rect">
+              <a:avLst/>
+            </a:prstGeom>
+            <a:noFill/>
+          </p:spPr>
+          <p:txBody>
+            <a:bodyPr wrap="none" rtlCol="0">
+              <a:spAutoFit/>
+            </a:bodyPr>
+            <a:lstStyle/>
+            <a:p>
+              <a:r>
+                <a:rPr lang="fr-FR" b="1"/>
+                <a:t>Step 7:</a:t>
+              </a:r>
+            </a:p>
+            <a:p>
+              <a:r>
+                <a:rPr lang="fr-FR" sz="1400"/>
+                <a:t>Build complete</a:t>
+              </a:r>
+            </a:p>
+            <a:p>
+              <a:r>
+                <a:rPr lang="fr-FR" sz="1400"/>
+                <a:t>GBA model</a:t>
+              </a:r>
+            </a:p>
+          </p:txBody>
+        </p:sp>
+      </p:grpSp>
+      <p:grpSp>
+        <p:nvGrpSpPr>
+          <p:cNvPr id="83" name="Groupe 82">
+            <a:extLst>
+              <a:ext uri="{FF2B5EF4-FFF2-40B4-BE49-F238E27FC236}">
+                <a16:creationId xmlns:a16="http://schemas.microsoft.com/office/drawing/2014/main" id="{E3E22808-AFBF-8F10-8E52-7B4F0934BF69}"/>
+              </a:ext>
+            </a:extLst>
+          </p:cNvPr>
+          <p:cNvGrpSpPr/>
+          <p:nvPr/>
+        </p:nvGrpSpPr>
+        <p:grpSpPr>
+          <a:xfrm>
+            <a:off x="8910196" y="4114753"/>
+            <a:ext cx="2310298" cy="800219"/>
+            <a:chOff x="2701544" y="1764967"/>
+            <a:chExt cx="2310298" cy="800219"/>
+          </a:xfrm>
+        </p:grpSpPr>
+        <p:pic>
+          <p:nvPicPr>
+            <p:cNvPr id="84" name="Picture 2" descr="New Document Office Paper Word Svg Png Icon Free Download (#511618) -  OnlineWebFonts.COM">
+              <a:extLst>
+                <a:ext uri="{FF2B5EF4-FFF2-40B4-BE49-F238E27FC236}">
+                  <a16:creationId xmlns:a16="http://schemas.microsoft.com/office/drawing/2014/main" id="{9010D4F5-569A-2AEB-67E5-453B56891675}"/>
+                </a:ext>
+              </a:extLst>
+            </p:cNvPr>
+            <p:cNvPicPr>
+              <a:picLocks noChangeAspect="1" noChangeArrowheads="1"/>
+            </p:cNvPicPr>
+            <p:nvPr/>
+          </p:nvPicPr>
+          <p:blipFill rotWithShape="1">
+            <a:blip r:embed="rId3">
+              <a:extLst>
+                <a:ext uri="{28A0092B-C50C-407E-A947-70E740481C1C}">
+                  <a14:useLocalDpi xmlns:a14="http://schemas.microsoft.com/office/drawing/2010/main" val="0"/>
+                </a:ext>
+              </a:extLst>
+            </a:blip>
+            <a:srcRect l="14089" t="3599" r="14089" b="3245"/>
+            <a:stretch/>
+          </p:blipFill>
+          <p:spPr bwMode="auto">
+            <a:xfrm>
+              <a:off x="2701544" y="1897888"/>
+              <a:ext cx="415164" cy="538480"/>
+            </a:xfrm>
+            <a:prstGeom prst="rect">
+              <a:avLst/>
+            </a:prstGeom>
+            <a:noFill/>
+            <a:extLst>
+              <a:ext uri="{909E8E84-426E-40DD-AFC4-6F175D3DCCD1}">
+                <a14:hiddenFill xmlns:a14="http://schemas.microsoft.com/office/drawing/2010/main">
+                  <a:solidFill>
+                    <a:srgbClr val="FFFFFF"/>
+                  </a:solidFill>
+                </a14:hiddenFill>
+              </a:ext>
+            </a:extLst>
+          </p:spPr>
+        </p:pic>
+        <p:sp>
+          <p:nvSpPr>
+            <p:cNvPr id="85" name="ZoneTexte 84">
+              <a:extLst>
+                <a:ext uri="{FF2B5EF4-FFF2-40B4-BE49-F238E27FC236}">
+                  <a16:creationId xmlns:a16="http://schemas.microsoft.com/office/drawing/2014/main" id="{EEDA4A44-2EF6-3D48-D2C8-33CAC234ED27}"/>
+                </a:ext>
+              </a:extLst>
+            </p:cNvPr>
+            <p:cNvSpPr txBox="1"/>
+            <p:nvPr/>
+          </p:nvSpPr>
+          <p:spPr>
+            <a:xfrm>
+              <a:off x="3086828" y="1764967"/>
+              <a:ext cx="1925014" cy="800219"/>
+            </a:xfrm>
+            <a:prstGeom prst="rect">
+              <a:avLst/>
+            </a:prstGeom>
+            <a:noFill/>
+          </p:spPr>
+          <p:txBody>
+            <a:bodyPr wrap="none" rtlCol="0">
+              <a:spAutoFit/>
+            </a:bodyPr>
+            <a:lstStyle/>
+            <a:p>
+              <a:r>
+                <a:rPr lang="fr-FR" b="1"/>
+                <a:t>Step 8:</a:t>
+              </a:r>
+            </a:p>
+            <a:p>
+              <a:pPr algn="ctr"/>
+              <a:r>
+                <a:rPr lang="fr-FR" sz="1400"/>
+                <a:t>Build full column-rank</a:t>
+              </a:r>
+            </a:p>
+            <a:p>
+              <a:r>
+                <a:rPr lang="fr-FR" sz="1400"/>
+                <a:t>GBA model</a:t>
+              </a:r>
+            </a:p>
+          </p:txBody>
+        </p:sp>
+      </p:grpSp>
+      <p:cxnSp>
+        <p:nvCxnSpPr>
+          <p:cNvPr id="86" name="Connecteur en angle 85">
+            <a:extLst>
+              <a:ext uri="{FF2B5EF4-FFF2-40B4-BE49-F238E27FC236}">
+                <a16:creationId xmlns:a16="http://schemas.microsoft.com/office/drawing/2014/main" id="{1DD9C049-FCC9-007C-8371-951644B068B7}"/>
+              </a:ext>
+            </a:extLst>
+          </p:cNvPr>
+          <p:cNvCxnSpPr>
+            <a:cxnSpLocks/>
+            <a:stCxn id="71" idx="2"/>
+            <a:endCxn id="84" idx="0"/>
+          </p:cNvCxnSpPr>
+          <p:nvPr/>
+        </p:nvCxnSpPr>
+        <p:spPr>
+          <a:xfrm rot="16200000" flipH="1">
+            <a:off x="8057855" y="3187750"/>
+            <a:ext cx="740091" cy="1379756"/>
+          </a:xfrm>
+          <a:prstGeom prst="bentConnector3">
+            <a:avLst>
+              <a:gd name="adj1" fmla="val 50000"/>
+            </a:avLst>
+          </a:prstGeom>
+          <a:ln w="19050">
+            <a:tailEnd type="triangle" w="lg" len="lg"/>
+          </a:ln>
+        </p:spPr>
+        <p:style>
+          <a:lnRef idx="1">
+            <a:schemeClr val="dk1"/>
+          </a:lnRef>
+          <a:fillRef idx="0">
+            <a:schemeClr val="dk1"/>
+          </a:fillRef>
+          <a:effectRef idx="0">
+            <a:schemeClr val="dk1"/>
+          </a:effectRef>
+          <a:fontRef idx="minor">
+            <a:schemeClr val="tx1"/>
+          </a:fontRef>
+        </p:style>
+      </p:cxnSp>
+      <p:cxnSp>
+        <p:nvCxnSpPr>
+          <p:cNvPr id="89" name="Connecteur en angle 88">
+            <a:extLst>
+              <a:ext uri="{FF2B5EF4-FFF2-40B4-BE49-F238E27FC236}">
+                <a16:creationId xmlns:a16="http://schemas.microsoft.com/office/drawing/2014/main" id="{0BA2DF19-7681-CD49-F0D5-1079A6099E6D}"/>
+              </a:ext>
+            </a:extLst>
+          </p:cNvPr>
+          <p:cNvCxnSpPr>
+            <a:cxnSpLocks/>
+            <a:stCxn id="71" idx="2"/>
+            <a:endCxn id="77" idx="0"/>
+          </p:cNvCxnSpPr>
+          <p:nvPr/>
+        </p:nvCxnSpPr>
+        <p:spPr>
+          <a:xfrm rot="5400000">
+            <a:off x="6731307" y="3240958"/>
+            <a:ext cx="740091" cy="1273340"/>
+          </a:xfrm>
+          <a:prstGeom prst="bentConnector3">
+            <a:avLst>
+              <a:gd name="adj1" fmla="val 50000"/>
+            </a:avLst>
+          </a:prstGeom>
+          <a:ln w="19050">
+            <a:tailEnd type="triangle" w="lg" len="lg"/>
+          </a:ln>
+        </p:spPr>
+        <p:style>
+          <a:lnRef idx="1">
+            <a:schemeClr val="dk1"/>
+          </a:lnRef>
+          <a:fillRef idx="0">
+            <a:schemeClr val="dk1"/>
+          </a:fillRef>
+          <a:effectRef idx="0">
+            <a:schemeClr val="dk1"/>
+          </a:effectRef>
+          <a:fontRef idx="minor">
+            <a:schemeClr val="tx1"/>
+          </a:fontRef>
+        </p:style>
+      </p:cxnSp>
+    </p:spTree>
+    <p:extLst>
+      <p:ext uri="{BB962C8B-B14F-4D97-AF65-F5344CB8AC3E}">
+        <p14:creationId xmlns:p14="http://schemas.microsoft.com/office/powerpoint/2010/main" val="3268259202"/>
       </p:ext>
     </p:extLst>
   </p:cSld>

--- a/doc/documentation/documentation.pptx
+++ b/doc/documentation/documentation.pptx
@@ -4108,9 +4108,9 @@
         <p:grpSpPr>
           <a:xfrm>
             <a:off x="4990174" y="760340"/>
-            <a:ext cx="1533654" cy="584775"/>
+            <a:ext cx="1622846" cy="584775"/>
             <a:chOff x="2701544" y="1851593"/>
-            <a:chExt cx="1533654" cy="584775"/>
+            <a:chExt cx="1622846" cy="584775"/>
           </a:xfrm>
         </p:grpSpPr>
         <p:pic>
@@ -4173,7 +4173,7 @@
           <p:spPr>
             <a:xfrm>
               <a:off x="3100657" y="1851593"/>
-              <a:ext cx="1134541" cy="584775"/>
+              <a:ext cx="1223733" cy="584775"/>
             </a:xfrm>
             <a:prstGeom prst="rect">
               <a:avLst/>
@@ -4188,7 +4188,7 @@
             <a:p>
               <a:r>
                 <a:rPr lang="fr-FR" b="1"/>
-                <a:t>Step 1:</a:t>
+                <a:t>Tutorial 1:</a:t>
               </a:r>
             </a:p>
             <a:p>
@@ -4333,7 +4333,7 @@
             <a:p>
               <a:r>
                 <a:rPr lang="fr-FR" b="1"/>
-                <a:t>Step 2:</a:t>
+                <a:t>Tutorial 2:</a:t>
               </a:r>
             </a:p>
             <a:p>
@@ -4484,7 +4484,7 @@
             <a:p>
               <a:r>
                 <a:rPr lang="fr-FR" b="1"/>
-                <a:t>Step 3:</a:t>
+                <a:t>Tutorial 3:</a:t>
               </a:r>
             </a:p>
             <a:p>
@@ -4592,7 +4592,7 @@
             <a:p>
               <a:r>
                 <a:rPr lang="fr-FR" b="1"/>
-                <a:t>Step 4:</a:t>
+                <a:t>Tutorial 4:</a:t>
               </a:r>
             </a:p>
             <a:p>
@@ -4705,7 +4705,7 @@
             <a:p>
               <a:r>
                 <a:rPr lang="fr-FR" b="1"/>
-                <a:t>Step 5:</a:t>
+                <a:t>Tutorial 5:</a:t>
               </a:r>
             </a:p>
             <a:p>
@@ -4954,7 +4954,7 @@
             <a:p>
               <a:r>
                 <a:rPr lang="fr-FR" b="1"/>
-                <a:t>Step 6:</a:t>
+                <a:t>Tutorial 6:</a:t>
               </a:r>
             </a:p>
             <a:p>
@@ -5112,7 +5112,7 @@
             <a:p>
               <a:r>
                 <a:rPr lang="fr-FR" b="1"/>
-                <a:t>Step 7:</a:t>
+                <a:t>Tutorial 7:</a:t>
               </a:r>
             </a:p>
             <a:p>
@@ -5225,7 +5225,7 @@
             <a:p>
               <a:r>
                 <a:rPr lang="fr-FR" b="1"/>
-                <a:t>Step 8:</a:t>
+                <a:t>Tutorial 8:</a:t>
               </a:r>
             </a:p>
             <a:p>

--- a/doc/documentation/documentation.pptx
+++ b/doc/documentation/documentation.pptx
@@ -5,7 +5,7 @@
     <p:sldMasterId id="2147483648" r:id="rId1"/>
   </p:sldMasterIdLst>
   <p:notesMasterIdLst>
-    <p:notesMasterId r:id="rId12"/>
+    <p:notesMasterId r:id="rId13"/>
   </p:notesMasterIdLst>
   <p:sldIdLst>
     <p:sldId id="257" r:id="rId2"/>
@@ -18,6 +18,7 @@
     <p:sldId id="267" r:id="rId9"/>
     <p:sldId id="271" r:id="rId10"/>
     <p:sldId id="272" r:id="rId11"/>
+    <p:sldId id="273" r:id="rId12"/>
   </p:sldIdLst>
   <p:sldSz cx="12192000" cy="6858000"/>
   <p:notesSz cx="6858000" cy="9144000"/>
@@ -205,7 +206,7 @@
           </a:lstStyle>
           <a:p>
             <a:fld id="{49500105-9C48-984E-9CDC-F1375D25D7E6}" type="datetimeFigureOut">
-              <a:t>31/03/2025</a:t>
+              <a:t>07/04/2025</a:t>
             </a:fld>
             <a:endParaRPr lang="fr-FR"/>
           </a:p>
@@ -768,6 +769,113 @@
 </p:notes>
 </file>
 
+<file path=ppt/notesSlides/notesSlide4.xml><?xml version="1.0" encoding="utf-8"?>
+<p:notes xmlns:a="http://schemas.openxmlformats.org/drawingml/2006/main" xmlns:r="http://schemas.openxmlformats.org/officeDocument/2006/relationships" xmlns:p="http://schemas.openxmlformats.org/presentationml/2006/main">
+  <p:cSld>
+    <p:spTree>
+      <p:nvGrpSpPr>
+        <p:cNvPr id="1" name="">
+          <a:extLst>
+            <a:ext uri="{FF2B5EF4-FFF2-40B4-BE49-F238E27FC236}">
+              <a16:creationId xmlns:a16="http://schemas.microsoft.com/office/drawing/2014/main" id="{214BEF56-AD64-257A-2C5F-590D9B34712E}"/>
+            </a:ext>
+          </a:extLst>
+        </p:cNvPr>
+        <p:cNvGrpSpPr/>
+        <p:nvPr/>
+      </p:nvGrpSpPr>
+      <p:grpSpPr>
+        <a:xfrm>
+          <a:off x="0" y="0"/>
+          <a:ext cx="0" cy="0"/>
+          <a:chOff x="0" y="0"/>
+          <a:chExt cx="0" cy="0"/>
+        </a:xfrm>
+      </p:grpSpPr>
+      <p:sp>
+        <p:nvSpPr>
+          <p:cNvPr id="2" name="Espace réservé de l'image des diapositives 1">
+            <a:extLst>
+              <a:ext uri="{FF2B5EF4-FFF2-40B4-BE49-F238E27FC236}">
+                <a16:creationId xmlns:a16="http://schemas.microsoft.com/office/drawing/2014/main" id="{83D93EF6-7540-C9F8-A502-6B321C2531CA}"/>
+              </a:ext>
+            </a:extLst>
+          </p:cNvPr>
+          <p:cNvSpPr>
+            <a:spLocks noGrp="1" noRot="1" noChangeAspect="1"/>
+          </p:cNvSpPr>
+          <p:nvPr>
+            <p:ph type="sldImg"/>
+          </p:nvPr>
+        </p:nvSpPr>
+        <p:spPr/>
+      </p:sp>
+      <p:sp>
+        <p:nvSpPr>
+          <p:cNvPr id="3" name="Espace réservé des notes 2">
+            <a:extLst>
+              <a:ext uri="{FF2B5EF4-FFF2-40B4-BE49-F238E27FC236}">
+                <a16:creationId xmlns:a16="http://schemas.microsoft.com/office/drawing/2014/main" id="{6DFD6E83-93D4-CB55-2B3E-118B5FB30759}"/>
+              </a:ext>
+            </a:extLst>
+          </p:cNvPr>
+          <p:cNvSpPr>
+            <a:spLocks noGrp="1"/>
+          </p:cNvSpPr>
+          <p:nvPr>
+            <p:ph type="body" idx="1"/>
+          </p:nvPr>
+        </p:nvSpPr>
+        <p:spPr/>
+        <p:txBody>
+          <a:bodyPr/>
+          <a:lstStyle/>
+          <a:p>
+            <a:endParaRPr lang="fr-FR"/>
+          </a:p>
+        </p:txBody>
+      </p:sp>
+      <p:sp>
+        <p:nvSpPr>
+          <p:cNvPr id="4" name="Espace réservé du numéro de diapositive 3">
+            <a:extLst>
+              <a:ext uri="{FF2B5EF4-FFF2-40B4-BE49-F238E27FC236}">
+                <a16:creationId xmlns:a16="http://schemas.microsoft.com/office/drawing/2014/main" id="{867C5974-1A26-2B45-4FCE-BD17DFAD2F3C}"/>
+              </a:ext>
+            </a:extLst>
+          </p:cNvPr>
+          <p:cNvSpPr>
+            <a:spLocks noGrp="1"/>
+          </p:cNvSpPr>
+          <p:nvPr>
+            <p:ph type="sldNum" sz="quarter" idx="5"/>
+          </p:nvPr>
+        </p:nvSpPr>
+        <p:spPr/>
+        <p:txBody>
+          <a:bodyPr/>
+          <a:lstStyle/>
+          <a:p>
+            <a:fld id="{9FBF1E06-D5E6-D248-B45C-D8434899FAE8}" type="slidenum">
+              <a:t>11</a:t>
+            </a:fld>
+            <a:endParaRPr lang="fr-FR"/>
+          </a:p>
+        </p:txBody>
+      </p:sp>
+    </p:spTree>
+    <p:extLst>
+      <p:ext uri="{BB962C8B-B14F-4D97-AF65-F5344CB8AC3E}">
+        <p14:creationId xmlns:p14="http://schemas.microsoft.com/office/powerpoint/2010/main" val="2862676615"/>
+      </p:ext>
+    </p:extLst>
+  </p:cSld>
+  <p:clrMapOvr>
+    <a:masterClrMapping/>
+  </p:clrMapOvr>
+</p:notes>
+</file>
+
 <file path=ppt/slideLayouts/slideLayout1.xml><?xml version="1.0" encoding="utf-8"?>
 <p:sldLayout xmlns:a="http://schemas.openxmlformats.org/drawingml/2006/main" xmlns:r="http://schemas.openxmlformats.org/officeDocument/2006/relationships" xmlns:p="http://schemas.openxmlformats.org/presentationml/2006/main" type="title" preserve="1">
   <p:cSld name="Diapositive de titre">
@@ -914,7 +1022,7 @@
           <a:lstStyle/>
           <a:p>
             <a:fld id="{7017F4CF-FB7D-E643-B991-A4BE8CDC438F}" type="datetimeFigureOut">
-              <a:t>31/03/2025</a:t>
+              <a:t>07/04/2025</a:t>
             </a:fld>
             <a:endParaRPr lang="fr-FR"/>
           </a:p>
@@ -1110,7 +1218,7 @@
           <a:lstStyle/>
           <a:p>
             <a:fld id="{7017F4CF-FB7D-E643-B991-A4BE8CDC438F}" type="datetimeFigureOut">
-              <a:t>31/03/2025</a:t>
+              <a:t>07/04/2025</a:t>
             </a:fld>
             <a:endParaRPr lang="fr-FR"/>
           </a:p>
@@ -1316,7 +1424,7 @@
           <a:lstStyle/>
           <a:p>
             <a:fld id="{7017F4CF-FB7D-E643-B991-A4BE8CDC438F}" type="datetimeFigureOut">
-              <a:t>31/03/2025</a:t>
+              <a:t>07/04/2025</a:t>
             </a:fld>
             <a:endParaRPr lang="fr-FR"/>
           </a:p>
@@ -1512,7 +1620,7 @@
           <a:lstStyle/>
           <a:p>
             <a:fld id="{7017F4CF-FB7D-E643-B991-A4BE8CDC438F}" type="datetimeFigureOut">
-              <a:t>31/03/2025</a:t>
+              <a:t>07/04/2025</a:t>
             </a:fld>
             <a:endParaRPr lang="fr-FR"/>
           </a:p>
@@ -1785,7 +1893,7 @@
           <a:lstStyle/>
           <a:p>
             <a:fld id="{7017F4CF-FB7D-E643-B991-A4BE8CDC438F}" type="datetimeFigureOut">
-              <a:t>31/03/2025</a:t>
+              <a:t>07/04/2025</a:t>
             </a:fld>
             <a:endParaRPr lang="fr-FR"/>
           </a:p>
@@ -2048,7 +2156,7 @@
           <a:lstStyle/>
           <a:p>
             <a:fld id="{7017F4CF-FB7D-E643-B991-A4BE8CDC438F}" type="datetimeFigureOut">
-              <a:t>31/03/2025</a:t>
+              <a:t>07/04/2025</a:t>
             </a:fld>
             <a:endParaRPr lang="fr-FR"/>
           </a:p>
@@ -2458,7 +2566,7 @@
           <a:lstStyle/>
           <a:p>
             <a:fld id="{7017F4CF-FB7D-E643-B991-A4BE8CDC438F}" type="datetimeFigureOut">
-              <a:t>31/03/2025</a:t>
+              <a:t>07/04/2025</a:t>
             </a:fld>
             <a:endParaRPr lang="fr-FR"/>
           </a:p>
@@ -2597,7 +2705,7 @@
           <a:lstStyle/>
           <a:p>
             <a:fld id="{7017F4CF-FB7D-E643-B991-A4BE8CDC438F}" type="datetimeFigureOut">
-              <a:t>31/03/2025</a:t>
+              <a:t>07/04/2025</a:t>
             </a:fld>
             <a:endParaRPr lang="fr-FR"/>
           </a:p>
@@ -2708,7 +2816,7 @@
           <a:lstStyle/>
           <a:p>
             <a:fld id="{7017F4CF-FB7D-E643-B991-A4BE8CDC438F}" type="datetimeFigureOut">
-              <a:t>31/03/2025</a:t>
+              <a:t>07/04/2025</a:t>
             </a:fld>
             <a:endParaRPr lang="fr-FR"/>
           </a:p>
@@ -3017,7 +3125,7 @@
           <a:lstStyle/>
           <a:p>
             <a:fld id="{7017F4CF-FB7D-E643-B991-A4BE8CDC438F}" type="datetimeFigureOut">
-              <a:t>31/03/2025</a:t>
+              <a:t>07/04/2025</a:t>
             </a:fld>
             <a:endParaRPr lang="fr-FR"/>
           </a:p>
@@ -3303,7 +3411,7 @@
           <a:lstStyle/>
           <a:p>
             <a:fld id="{7017F4CF-FB7D-E643-B991-A4BE8CDC438F}" type="datetimeFigureOut">
-              <a:t>31/03/2025</a:t>
+              <a:t>07/04/2025</a:t>
             </a:fld>
             <a:endParaRPr lang="fr-FR"/>
           </a:p>
@@ -3542,7 +3650,7 @@
           </a:lstStyle>
           <a:p>
             <a:fld id="{7017F4CF-FB7D-E643-B991-A4BE8CDC438F}" type="datetimeFigureOut">
-              <a:t>31/03/2025</a:t>
+              <a:t>07/04/2025</a:t>
             </a:fld>
             <a:endParaRPr lang="fr-FR"/>
           </a:p>
@@ -5338,6 +5446,815 @@
     <p:extLst>
       <p:ext uri="{BB962C8B-B14F-4D97-AF65-F5344CB8AC3E}">
         <p14:creationId xmlns:p14="http://schemas.microsoft.com/office/powerpoint/2010/main" val="3268259202"/>
+      </p:ext>
+    </p:extLst>
+  </p:cSld>
+  <p:clrMapOvr>
+    <a:masterClrMapping/>
+  </p:clrMapOvr>
+</p:sld>
+</file>
+
+<file path=ppt/slides/slide11.xml><?xml version="1.0" encoding="utf-8"?>
+<p:sld xmlns:a="http://schemas.openxmlformats.org/drawingml/2006/main" xmlns:r="http://schemas.openxmlformats.org/officeDocument/2006/relationships" xmlns:p="http://schemas.openxmlformats.org/presentationml/2006/main">
+  <p:cSld>
+    <p:spTree>
+      <p:nvGrpSpPr>
+        <p:cNvPr id="1" name="">
+          <a:extLst>
+            <a:ext uri="{FF2B5EF4-FFF2-40B4-BE49-F238E27FC236}">
+              <a16:creationId xmlns:a16="http://schemas.microsoft.com/office/drawing/2014/main" id="{E4A45413-2BBD-F755-05D4-EC2B769EB09E}"/>
+            </a:ext>
+          </a:extLst>
+        </p:cNvPr>
+        <p:cNvGrpSpPr/>
+        <p:nvPr/>
+      </p:nvGrpSpPr>
+      <p:grpSpPr>
+        <a:xfrm>
+          <a:off x="0" y="0"/>
+          <a:ext cx="0" cy="0"/>
+          <a:chOff x="0" y="0"/>
+          <a:chExt cx="0" cy="0"/>
+        </a:xfrm>
+      </p:grpSpPr>
+      <p:grpSp>
+        <p:nvGrpSpPr>
+          <p:cNvPr id="19" name="Groupe 18">
+            <a:extLst>
+              <a:ext uri="{FF2B5EF4-FFF2-40B4-BE49-F238E27FC236}">
+                <a16:creationId xmlns:a16="http://schemas.microsoft.com/office/drawing/2014/main" id="{0052DC2D-3499-E37E-0169-9F4839747357}"/>
+              </a:ext>
+            </a:extLst>
+          </p:cNvPr>
+          <p:cNvGrpSpPr/>
+          <p:nvPr/>
+        </p:nvGrpSpPr>
+        <p:grpSpPr>
+          <a:xfrm>
+            <a:off x="5600281" y="1751743"/>
+            <a:ext cx="1622846" cy="584775"/>
+            <a:chOff x="2701544" y="1851593"/>
+            <a:chExt cx="1622846" cy="584775"/>
+          </a:xfrm>
+        </p:grpSpPr>
+        <p:pic>
+          <p:nvPicPr>
+            <p:cNvPr id="13" name="Picture 2" descr="New Document Office Paper Word Svg Png Icon Free Download (#511618) -  OnlineWebFonts.COM">
+              <a:extLst>
+                <a:ext uri="{FF2B5EF4-FFF2-40B4-BE49-F238E27FC236}">
+                  <a16:creationId xmlns:a16="http://schemas.microsoft.com/office/drawing/2014/main" id="{11E6545B-FA82-7640-85A0-DF490565EC9E}"/>
+                </a:ext>
+              </a:extLst>
+            </p:cNvPr>
+            <p:cNvPicPr>
+              <a:picLocks noChangeAspect="1" noChangeArrowheads="1"/>
+            </p:cNvPicPr>
+            <p:nvPr/>
+          </p:nvPicPr>
+          <p:blipFill rotWithShape="1">
+            <a:blip r:embed="rId3">
+              <a:extLst>
+                <a:ext uri="{28A0092B-C50C-407E-A947-70E740481C1C}">
+                  <a14:useLocalDpi xmlns:a14="http://schemas.microsoft.com/office/drawing/2010/main" val="0"/>
+                </a:ext>
+              </a:extLst>
+            </a:blip>
+            <a:srcRect l="14089" t="3599" r="14089" b="3245"/>
+            <a:stretch/>
+          </p:blipFill>
+          <p:spPr bwMode="auto">
+            <a:xfrm>
+              <a:off x="2701544" y="1897888"/>
+              <a:ext cx="415164" cy="538480"/>
+            </a:xfrm>
+            <a:prstGeom prst="rect">
+              <a:avLst/>
+            </a:prstGeom>
+            <a:noFill/>
+            <a:extLst>
+              <a:ext uri="{909E8E84-426E-40DD-AFC4-6F175D3DCCD1}">
+                <a14:hiddenFill xmlns:a14="http://schemas.microsoft.com/office/drawing/2010/main">
+                  <a:solidFill>
+                    <a:srgbClr val="FFFFFF"/>
+                  </a:solidFill>
+                </a14:hiddenFill>
+              </a:ext>
+            </a:extLst>
+          </p:spPr>
+        </p:pic>
+        <p:sp>
+          <p:nvSpPr>
+            <p:cNvPr id="16" name="ZoneTexte 15">
+              <a:extLst>
+                <a:ext uri="{FF2B5EF4-FFF2-40B4-BE49-F238E27FC236}">
+                  <a16:creationId xmlns:a16="http://schemas.microsoft.com/office/drawing/2014/main" id="{3A9B5B47-E08A-A266-A5C5-516641829A28}"/>
+                </a:ext>
+              </a:extLst>
+            </p:cNvPr>
+            <p:cNvSpPr txBox="1"/>
+            <p:nvPr/>
+          </p:nvSpPr>
+          <p:spPr>
+            <a:xfrm>
+              <a:off x="3100657" y="1851593"/>
+              <a:ext cx="1223733" cy="584775"/>
+            </a:xfrm>
+            <a:prstGeom prst="rect">
+              <a:avLst/>
+            </a:prstGeom>
+            <a:noFill/>
+          </p:spPr>
+          <p:txBody>
+            <a:bodyPr wrap="none" rtlCol="0">
+              <a:spAutoFit/>
+            </a:bodyPr>
+            <a:lstStyle/>
+            <a:p>
+              <a:r>
+                <a:rPr lang="fr-FR" b="1"/>
+                <a:t>Tutorial 1:</a:t>
+              </a:r>
+            </a:p>
+            <a:p>
+              <a:r>
+                <a:rPr lang="fr-FR" sz="1400"/>
+                <a:t>Collect data</a:t>
+              </a:r>
+            </a:p>
+          </p:txBody>
+        </p:sp>
+      </p:grpSp>
+      <p:sp>
+        <p:nvSpPr>
+          <p:cNvPr id="81" name="ZoneTexte 80">
+            <a:extLst>
+              <a:ext uri="{FF2B5EF4-FFF2-40B4-BE49-F238E27FC236}">
+                <a16:creationId xmlns:a16="http://schemas.microsoft.com/office/drawing/2014/main" id="{1E555F1D-90DB-096C-B3F5-1C37053F3D10}"/>
+              </a:ext>
+            </a:extLst>
+          </p:cNvPr>
+          <p:cNvSpPr txBox="1"/>
+          <p:nvPr/>
+        </p:nvSpPr>
+        <p:spPr>
+          <a:xfrm>
+            <a:off x="3512555" y="1045940"/>
+            <a:ext cx="4590616" cy="461665"/>
+          </a:xfrm>
+          <a:prstGeom prst="rect">
+            <a:avLst/>
+          </a:prstGeom>
+          <a:noFill/>
+        </p:spPr>
+        <p:txBody>
+          <a:bodyPr wrap="none" rtlCol="0">
+            <a:spAutoFit/>
+          </a:bodyPr>
+          <a:lstStyle/>
+          <a:p>
+            <a:pPr algn="ctr"/>
+            <a:r>
+              <a:rPr lang="fr-FR" sz="2400" b="1">
+                <a:latin typeface="Avenir Black" panose="02000503020000020003" pitchFamily="2" charset="0"/>
+                <a:cs typeface="Beirut" pitchFamily="2" charset="-78"/>
+              </a:rPr>
+              <a:t>MMSYN tutorials organization</a:t>
+            </a:r>
+          </a:p>
+        </p:txBody>
+      </p:sp>
+      <p:grpSp>
+        <p:nvGrpSpPr>
+          <p:cNvPr id="41" name="Groupe 40">
+            <a:extLst>
+              <a:ext uri="{FF2B5EF4-FFF2-40B4-BE49-F238E27FC236}">
+                <a16:creationId xmlns:a16="http://schemas.microsoft.com/office/drawing/2014/main" id="{52221583-EBBE-893B-DEDD-CED5091F7647}"/>
+              </a:ext>
+            </a:extLst>
+          </p:cNvPr>
+          <p:cNvGrpSpPr/>
+          <p:nvPr/>
+        </p:nvGrpSpPr>
+        <p:grpSpPr>
+          <a:xfrm>
+            <a:off x="5600281" y="2674165"/>
+            <a:ext cx="2594394" cy="584775"/>
+            <a:chOff x="2701544" y="1851593"/>
+            <a:chExt cx="2594394" cy="584775"/>
+          </a:xfrm>
+        </p:grpSpPr>
+        <p:pic>
+          <p:nvPicPr>
+            <p:cNvPr id="43" name="Picture 2" descr="New Document Office Paper Word Svg Png Icon Free Download (#511618) -  OnlineWebFonts.COM">
+              <a:extLst>
+                <a:ext uri="{FF2B5EF4-FFF2-40B4-BE49-F238E27FC236}">
+                  <a16:creationId xmlns:a16="http://schemas.microsoft.com/office/drawing/2014/main" id="{6846362C-B208-7690-E162-BCF8344CCAAF}"/>
+                </a:ext>
+              </a:extLst>
+            </p:cNvPr>
+            <p:cNvPicPr>
+              <a:picLocks noChangeAspect="1" noChangeArrowheads="1"/>
+            </p:cNvPicPr>
+            <p:nvPr/>
+          </p:nvPicPr>
+          <p:blipFill rotWithShape="1">
+            <a:blip r:embed="rId3">
+              <a:extLst>
+                <a:ext uri="{28A0092B-C50C-407E-A947-70E740481C1C}">
+                  <a14:useLocalDpi xmlns:a14="http://schemas.microsoft.com/office/drawing/2010/main" val="0"/>
+                </a:ext>
+              </a:extLst>
+            </a:blip>
+            <a:srcRect l="14089" t="3599" r="14089" b="3245"/>
+            <a:stretch/>
+          </p:blipFill>
+          <p:spPr bwMode="auto">
+            <a:xfrm>
+              <a:off x="2701544" y="1897888"/>
+              <a:ext cx="415164" cy="538480"/>
+            </a:xfrm>
+            <a:prstGeom prst="rect">
+              <a:avLst/>
+            </a:prstGeom>
+            <a:noFill/>
+            <a:extLst>
+              <a:ext uri="{909E8E84-426E-40DD-AFC4-6F175D3DCCD1}">
+                <a14:hiddenFill xmlns:a14="http://schemas.microsoft.com/office/drawing/2010/main">
+                  <a:solidFill>
+                    <a:srgbClr val="FFFFFF"/>
+                  </a:solidFill>
+                </a14:hiddenFill>
+              </a:ext>
+            </a:extLst>
+          </p:spPr>
+        </p:pic>
+        <p:sp>
+          <p:nvSpPr>
+            <p:cNvPr id="44" name="ZoneTexte 43">
+              <a:extLst>
+                <a:ext uri="{FF2B5EF4-FFF2-40B4-BE49-F238E27FC236}">
+                  <a16:creationId xmlns:a16="http://schemas.microsoft.com/office/drawing/2014/main" id="{248A889D-D55E-9B73-ED69-9AC3AE226F10}"/>
+                </a:ext>
+              </a:extLst>
+            </p:cNvPr>
+            <p:cNvSpPr txBox="1"/>
+            <p:nvPr/>
+          </p:nvSpPr>
+          <p:spPr>
+            <a:xfrm>
+              <a:off x="3100657" y="1851593"/>
+              <a:ext cx="2195281" cy="584775"/>
+            </a:xfrm>
+            <a:prstGeom prst="rect">
+              <a:avLst/>
+            </a:prstGeom>
+            <a:noFill/>
+          </p:spPr>
+          <p:txBody>
+            <a:bodyPr wrap="none" rtlCol="0">
+              <a:spAutoFit/>
+            </a:bodyPr>
+            <a:lstStyle/>
+            <a:p>
+              <a:r>
+                <a:rPr lang="fr-FR" b="1"/>
+                <a:t>Tutorial 2:</a:t>
+              </a:r>
+            </a:p>
+            <a:p>
+              <a:pPr algn="ctr"/>
+              <a:r>
+                <a:rPr lang="fr-FR" sz="1400"/>
+                <a:t>Check mass conservation</a:t>
+              </a:r>
+            </a:p>
+          </p:txBody>
+        </p:sp>
+      </p:grpSp>
+      <p:cxnSp>
+        <p:nvCxnSpPr>
+          <p:cNvPr id="45" name="Connecteur droit avec flèche 44">
+            <a:extLst>
+              <a:ext uri="{FF2B5EF4-FFF2-40B4-BE49-F238E27FC236}">
+                <a16:creationId xmlns:a16="http://schemas.microsoft.com/office/drawing/2014/main" id="{0814D0FF-3F41-2145-58F4-20A41F18C340}"/>
+              </a:ext>
+            </a:extLst>
+          </p:cNvPr>
+          <p:cNvCxnSpPr>
+            <a:cxnSpLocks/>
+            <a:stCxn id="13" idx="2"/>
+            <a:endCxn id="43" idx="0"/>
+          </p:cNvCxnSpPr>
+          <p:nvPr/>
+        </p:nvCxnSpPr>
+        <p:spPr>
+          <a:xfrm>
+            <a:off x="5807863" y="2336518"/>
+            <a:ext cx="0" cy="383942"/>
+          </a:xfrm>
+          <a:prstGeom prst="straightConnector1">
+            <a:avLst/>
+          </a:prstGeom>
+          <a:ln>
+            <a:tailEnd type="triangle" w="lg" len="lg"/>
+          </a:ln>
+        </p:spPr>
+        <p:style>
+          <a:lnRef idx="2">
+            <a:schemeClr val="dk1"/>
+          </a:lnRef>
+          <a:fillRef idx="0">
+            <a:schemeClr val="dk1"/>
+          </a:fillRef>
+          <a:effectRef idx="1">
+            <a:schemeClr val="dk1"/>
+          </a:effectRef>
+          <a:fontRef idx="minor">
+            <a:schemeClr val="tx1"/>
+          </a:fontRef>
+        </p:style>
+      </p:cxnSp>
+      <p:grpSp>
+        <p:nvGrpSpPr>
+          <p:cNvPr id="70" name="Groupe 69">
+            <a:extLst>
+              <a:ext uri="{FF2B5EF4-FFF2-40B4-BE49-F238E27FC236}">
+                <a16:creationId xmlns:a16="http://schemas.microsoft.com/office/drawing/2014/main" id="{5C12AC78-2BE4-16C5-872B-CDE57F90FC96}"/>
+              </a:ext>
+            </a:extLst>
+          </p:cNvPr>
+          <p:cNvGrpSpPr/>
+          <p:nvPr/>
+        </p:nvGrpSpPr>
+        <p:grpSpPr>
+          <a:xfrm>
+            <a:off x="5600281" y="3503078"/>
+            <a:ext cx="1868874" cy="800219"/>
+            <a:chOff x="2701544" y="1764968"/>
+            <a:chExt cx="1868874" cy="800219"/>
+          </a:xfrm>
+        </p:grpSpPr>
+        <p:pic>
+          <p:nvPicPr>
+            <p:cNvPr id="71" name="Picture 2" descr="New Document Office Paper Word Svg Png Icon Free Download (#511618) -  OnlineWebFonts.COM">
+              <a:extLst>
+                <a:ext uri="{FF2B5EF4-FFF2-40B4-BE49-F238E27FC236}">
+                  <a16:creationId xmlns:a16="http://schemas.microsoft.com/office/drawing/2014/main" id="{80AE060C-A84D-A9EE-7FDB-620A08AD2E42}"/>
+                </a:ext>
+              </a:extLst>
+            </p:cNvPr>
+            <p:cNvPicPr>
+              <a:picLocks noChangeAspect="1" noChangeArrowheads="1"/>
+            </p:cNvPicPr>
+            <p:nvPr/>
+          </p:nvPicPr>
+          <p:blipFill rotWithShape="1">
+            <a:blip r:embed="rId3">
+              <a:extLst>
+                <a:ext uri="{28A0092B-C50C-407E-A947-70E740481C1C}">
+                  <a14:useLocalDpi xmlns:a14="http://schemas.microsoft.com/office/drawing/2010/main" val="0"/>
+                </a:ext>
+              </a:extLst>
+            </a:blip>
+            <a:srcRect l="14089" t="3599" r="14089" b="3245"/>
+            <a:stretch/>
+          </p:blipFill>
+          <p:spPr bwMode="auto">
+            <a:xfrm>
+              <a:off x="2701544" y="1897888"/>
+              <a:ext cx="415164" cy="538480"/>
+            </a:xfrm>
+            <a:prstGeom prst="rect">
+              <a:avLst/>
+            </a:prstGeom>
+            <a:noFill/>
+            <a:extLst>
+              <a:ext uri="{909E8E84-426E-40DD-AFC4-6F175D3DCCD1}">
+                <a14:hiddenFill xmlns:a14="http://schemas.microsoft.com/office/drawing/2010/main">
+                  <a:solidFill>
+                    <a:srgbClr val="FFFFFF"/>
+                  </a:solidFill>
+                </a14:hiddenFill>
+              </a:ext>
+            </a:extLst>
+          </p:spPr>
+        </p:pic>
+        <p:sp>
+          <p:nvSpPr>
+            <p:cNvPr id="72" name="ZoneTexte 71">
+              <a:extLst>
+                <a:ext uri="{FF2B5EF4-FFF2-40B4-BE49-F238E27FC236}">
+                  <a16:creationId xmlns:a16="http://schemas.microsoft.com/office/drawing/2014/main" id="{CE22F4B5-CF44-D580-32CB-8EA23CF15648}"/>
+                </a:ext>
+              </a:extLst>
+            </p:cNvPr>
+            <p:cNvSpPr txBox="1"/>
+            <p:nvPr/>
+          </p:nvSpPr>
+          <p:spPr>
+            <a:xfrm>
+              <a:off x="3100657" y="1764968"/>
+              <a:ext cx="1469761" cy="800219"/>
+            </a:xfrm>
+            <a:prstGeom prst="rect">
+              <a:avLst/>
+            </a:prstGeom>
+            <a:noFill/>
+          </p:spPr>
+          <p:txBody>
+            <a:bodyPr wrap="none" rtlCol="0">
+              <a:spAutoFit/>
+            </a:bodyPr>
+            <a:lstStyle/>
+            <a:p>
+              <a:r>
+                <a:rPr lang="fr-FR" b="1"/>
+                <a:t>Tutorial 3:</a:t>
+              </a:r>
+            </a:p>
+            <a:p>
+              <a:r>
+                <a:rPr lang="fr-FR" sz="1400"/>
+                <a:t>Edit and simplify</a:t>
+              </a:r>
+            </a:p>
+            <a:p>
+              <a:r>
+                <a:rPr lang="fr-FR" sz="1400"/>
+                <a:t>the model</a:t>
+              </a:r>
+            </a:p>
+          </p:txBody>
+        </p:sp>
+      </p:grpSp>
+      <p:grpSp>
+        <p:nvGrpSpPr>
+          <p:cNvPr id="76" name="Groupe 75">
+            <a:extLst>
+              <a:ext uri="{FF2B5EF4-FFF2-40B4-BE49-F238E27FC236}">
+                <a16:creationId xmlns:a16="http://schemas.microsoft.com/office/drawing/2014/main" id="{E7E5DABF-0D58-E796-A2B7-F5ADB04FE46D}"/>
+              </a:ext>
+            </a:extLst>
+          </p:cNvPr>
+          <p:cNvGrpSpPr/>
+          <p:nvPr/>
+        </p:nvGrpSpPr>
+        <p:grpSpPr>
+          <a:xfrm>
+            <a:off x="3599898" y="4781648"/>
+            <a:ext cx="1758225" cy="800219"/>
+            <a:chOff x="1358483" y="1764967"/>
+            <a:chExt cx="1758225" cy="800219"/>
+          </a:xfrm>
+        </p:grpSpPr>
+        <p:pic>
+          <p:nvPicPr>
+            <p:cNvPr id="77" name="Picture 2" descr="New Document Office Paper Word Svg Png Icon Free Download (#511618) -  OnlineWebFonts.COM">
+              <a:extLst>
+                <a:ext uri="{FF2B5EF4-FFF2-40B4-BE49-F238E27FC236}">
+                  <a16:creationId xmlns:a16="http://schemas.microsoft.com/office/drawing/2014/main" id="{4CD6A343-B12E-1A95-4672-22FE98A2D959}"/>
+                </a:ext>
+              </a:extLst>
+            </p:cNvPr>
+            <p:cNvPicPr>
+              <a:picLocks noChangeAspect="1" noChangeArrowheads="1"/>
+            </p:cNvPicPr>
+            <p:nvPr/>
+          </p:nvPicPr>
+          <p:blipFill rotWithShape="1">
+            <a:blip r:embed="rId3">
+              <a:extLst>
+                <a:ext uri="{28A0092B-C50C-407E-A947-70E740481C1C}">
+                  <a14:useLocalDpi xmlns:a14="http://schemas.microsoft.com/office/drawing/2010/main" val="0"/>
+                </a:ext>
+              </a:extLst>
+            </a:blip>
+            <a:srcRect l="14089" t="3599" r="14089" b="3245"/>
+            <a:stretch/>
+          </p:blipFill>
+          <p:spPr bwMode="auto">
+            <a:xfrm>
+              <a:off x="2701544" y="1897888"/>
+              <a:ext cx="415164" cy="538480"/>
+            </a:xfrm>
+            <a:prstGeom prst="rect">
+              <a:avLst/>
+            </a:prstGeom>
+            <a:noFill/>
+            <a:extLst>
+              <a:ext uri="{909E8E84-426E-40DD-AFC4-6F175D3DCCD1}">
+                <a14:hiddenFill xmlns:a14="http://schemas.microsoft.com/office/drawing/2010/main">
+                  <a:solidFill>
+                    <a:srgbClr val="FFFFFF"/>
+                  </a:solidFill>
+                </a14:hiddenFill>
+              </a:ext>
+            </a:extLst>
+          </p:spPr>
+        </p:pic>
+        <p:sp>
+          <p:nvSpPr>
+            <p:cNvPr id="82" name="ZoneTexte 81">
+              <a:extLst>
+                <a:ext uri="{FF2B5EF4-FFF2-40B4-BE49-F238E27FC236}">
+                  <a16:creationId xmlns:a16="http://schemas.microsoft.com/office/drawing/2014/main" id="{8EA061AB-66EB-C8B8-45FA-A095D4BD4D3B}"/>
+                </a:ext>
+              </a:extLst>
+            </p:cNvPr>
+            <p:cNvSpPr txBox="1"/>
+            <p:nvPr/>
+          </p:nvSpPr>
+          <p:spPr>
+            <a:xfrm>
+              <a:off x="1358483" y="1764967"/>
+              <a:ext cx="1363578" cy="800219"/>
+            </a:xfrm>
+            <a:prstGeom prst="rect">
+              <a:avLst/>
+            </a:prstGeom>
+            <a:noFill/>
+          </p:spPr>
+          <p:txBody>
+            <a:bodyPr wrap="none" rtlCol="0">
+              <a:spAutoFit/>
+            </a:bodyPr>
+            <a:lstStyle/>
+            <a:p>
+              <a:pPr algn="r"/>
+              <a:r>
+                <a:rPr lang="fr-FR" b="1"/>
+                <a:t>Tutorial 4:</a:t>
+              </a:r>
+            </a:p>
+            <a:p>
+              <a:pPr algn="r"/>
+              <a:r>
+                <a:rPr lang="fr-FR" sz="1400"/>
+                <a:t>Build complete</a:t>
+              </a:r>
+            </a:p>
+            <a:p>
+              <a:pPr algn="r"/>
+              <a:r>
+                <a:rPr lang="fr-FR" sz="1400"/>
+                <a:t>GBA model</a:t>
+              </a:r>
+            </a:p>
+          </p:txBody>
+        </p:sp>
+      </p:grpSp>
+      <p:grpSp>
+        <p:nvGrpSpPr>
+          <p:cNvPr id="83" name="Groupe 82">
+            <a:extLst>
+              <a:ext uri="{FF2B5EF4-FFF2-40B4-BE49-F238E27FC236}">
+                <a16:creationId xmlns:a16="http://schemas.microsoft.com/office/drawing/2014/main" id="{314ECBC2-17DD-2705-2165-0C49C4C8B1EA}"/>
+              </a:ext>
+            </a:extLst>
+          </p:cNvPr>
+          <p:cNvGrpSpPr/>
+          <p:nvPr/>
+        </p:nvGrpSpPr>
+        <p:grpSpPr>
+          <a:xfrm>
+            <a:off x="6296638" y="4781648"/>
+            <a:ext cx="2310298" cy="800219"/>
+            <a:chOff x="2701544" y="1764967"/>
+            <a:chExt cx="2310298" cy="800219"/>
+          </a:xfrm>
+        </p:grpSpPr>
+        <p:pic>
+          <p:nvPicPr>
+            <p:cNvPr id="84" name="Picture 2" descr="New Document Office Paper Word Svg Png Icon Free Download (#511618) -  OnlineWebFonts.COM">
+              <a:extLst>
+                <a:ext uri="{FF2B5EF4-FFF2-40B4-BE49-F238E27FC236}">
+                  <a16:creationId xmlns:a16="http://schemas.microsoft.com/office/drawing/2014/main" id="{9068BA0D-3A67-F86E-B028-E347CFEF3B6C}"/>
+                </a:ext>
+              </a:extLst>
+            </p:cNvPr>
+            <p:cNvPicPr>
+              <a:picLocks noChangeAspect="1" noChangeArrowheads="1"/>
+            </p:cNvPicPr>
+            <p:nvPr/>
+          </p:nvPicPr>
+          <p:blipFill rotWithShape="1">
+            <a:blip r:embed="rId3">
+              <a:extLst>
+                <a:ext uri="{28A0092B-C50C-407E-A947-70E740481C1C}">
+                  <a14:useLocalDpi xmlns:a14="http://schemas.microsoft.com/office/drawing/2010/main" val="0"/>
+                </a:ext>
+              </a:extLst>
+            </a:blip>
+            <a:srcRect l="14089" t="3599" r="14089" b="3245"/>
+            <a:stretch/>
+          </p:blipFill>
+          <p:spPr bwMode="auto">
+            <a:xfrm>
+              <a:off x="2701544" y="1897888"/>
+              <a:ext cx="415164" cy="538480"/>
+            </a:xfrm>
+            <a:prstGeom prst="rect">
+              <a:avLst/>
+            </a:prstGeom>
+            <a:noFill/>
+            <a:extLst>
+              <a:ext uri="{909E8E84-426E-40DD-AFC4-6F175D3DCCD1}">
+                <a14:hiddenFill xmlns:a14="http://schemas.microsoft.com/office/drawing/2010/main">
+                  <a:solidFill>
+                    <a:srgbClr val="FFFFFF"/>
+                  </a:solidFill>
+                </a14:hiddenFill>
+              </a:ext>
+            </a:extLst>
+          </p:spPr>
+        </p:pic>
+        <p:sp>
+          <p:nvSpPr>
+            <p:cNvPr id="85" name="ZoneTexte 84">
+              <a:extLst>
+                <a:ext uri="{FF2B5EF4-FFF2-40B4-BE49-F238E27FC236}">
+                  <a16:creationId xmlns:a16="http://schemas.microsoft.com/office/drawing/2014/main" id="{48D76713-F9D6-BD5B-D906-9CF3F9EA0261}"/>
+                </a:ext>
+              </a:extLst>
+            </p:cNvPr>
+            <p:cNvSpPr txBox="1"/>
+            <p:nvPr/>
+          </p:nvSpPr>
+          <p:spPr>
+            <a:xfrm>
+              <a:off x="3086828" y="1764967"/>
+              <a:ext cx="1925014" cy="800219"/>
+            </a:xfrm>
+            <a:prstGeom prst="rect">
+              <a:avLst/>
+            </a:prstGeom>
+            <a:noFill/>
+          </p:spPr>
+          <p:txBody>
+            <a:bodyPr wrap="none" rtlCol="0">
+              <a:spAutoFit/>
+            </a:bodyPr>
+            <a:lstStyle/>
+            <a:p>
+              <a:r>
+                <a:rPr lang="fr-FR" b="1"/>
+                <a:t>Tutorial 5:</a:t>
+              </a:r>
+            </a:p>
+            <a:p>
+              <a:pPr algn="ctr"/>
+              <a:r>
+                <a:rPr lang="fr-FR" sz="1400"/>
+                <a:t>Build full column-rank</a:t>
+              </a:r>
+            </a:p>
+            <a:p>
+              <a:r>
+                <a:rPr lang="fr-FR" sz="1400"/>
+                <a:t>GBA model</a:t>
+              </a:r>
+            </a:p>
+          </p:txBody>
+        </p:sp>
+      </p:grpSp>
+      <p:cxnSp>
+        <p:nvCxnSpPr>
+          <p:cNvPr id="86" name="Connecteur en angle 85">
+            <a:extLst>
+              <a:ext uri="{FF2B5EF4-FFF2-40B4-BE49-F238E27FC236}">
+                <a16:creationId xmlns:a16="http://schemas.microsoft.com/office/drawing/2014/main" id="{1B584B95-D5D0-4F6C-2318-6333ABBB4C9F}"/>
+              </a:ext>
+            </a:extLst>
+          </p:cNvPr>
+          <p:cNvCxnSpPr>
+            <a:cxnSpLocks/>
+            <a:stCxn id="71" idx="2"/>
+            <a:endCxn id="84" idx="0"/>
+          </p:cNvCxnSpPr>
+          <p:nvPr/>
+        </p:nvCxnSpPr>
+        <p:spPr>
+          <a:xfrm rot="16200000" flipH="1">
+            <a:off x="5785996" y="4196344"/>
+            <a:ext cx="740091" cy="696357"/>
+          </a:xfrm>
+          <a:prstGeom prst="bentConnector3">
+            <a:avLst>
+              <a:gd name="adj1" fmla="val 50000"/>
+            </a:avLst>
+          </a:prstGeom>
+          <a:ln w="19050">
+            <a:tailEnd type="triangle" w="lg" len="lg"/>
+          </a:ln>
+        </p:spPr>
+        <p:style>
+          <a:lnRef idx="1">
+            <a:schemeClr val="dk1"/>
+          </a:lnRef>
+          <a:fillRef idx="0">
+            <a:schemeClr val="dk1"/>
+          </a:fillRef>
+          <a:effectRef idx="0">
+            <a:schemeClr val="dk1"/>
+          </a:effectRef>
+          <a:fontRef idx="minor">
+            <a:schemeClr val="tx1"/>
+          </a:fontRef>
+        </p:style>
+      </p:cxnSp>
+      <p:cxnSp>
+        <p:nvCxnSpPr>
+          <p:cNvPr id="89" name="Connecteur en angle 88">
+            <a:extLst>
+              <a:ext uri="{FF2B5EF4-FFF2-40B4-BE49-F238E27FC236}">
+                <a16:creationId xmlns:a16="http://schemas.microsoft.com/office/drawing/2014/main" id="{4E62E1A7-081D-77F5-E5C4-598F699C1AEF}"/>
+              </a:ext>
+            </a:extLst>
+          </p:cNvPr>
+          <p:cNvCxnSpPr>
+            <a:cxnSpLocks/>
+            <a:stCxn id="71" idx="2"/>
+            <a:endCxn id="77" idx="0"/>
+          </p:cNvCxnSpPr>
+          <p:nvPr/>
+        </p:nvCxnSpPr>
+        <p:spPr>
+          <a:xfrm rot="5400000">
+            <a:off x="5109157" y="4215862"/>
+            <a:ext cx="740091" cy="657322"/>
+          </a:xfrm>
+          <a:prstGeom prst="bentConnector3">
+            <a:avLst>
+              <a:gd name="adj1" fmla="val 50000"/>
+            </a:avLst>
+          </a:prstGeom>
+          <a:ln w="19050">
+            <a:tailEnd type="triangle" w="lg" len="lg"/>
+          </a:ln>
+        </p:spPr>
+        <p:style>
+          <a:lnRef idx="1">
+            <a:schemeClr val="dk1"/>
+          </a:lnRef>
+          <a:fillRef idx="0">
+            <a:schemeClr val="dk1"/>
+          </a:fillRef>
+          <a:effectRef idx="0">
+            <a:schemeClr val="dk1"/>
+          </a:effectRef>
+          <a:fontRef idx="minor">
+            <a:schemeClr val="tx1"/>
+          </a:fontRef>
+        </p:style>
+      </p:cxnSp>
+      <p:cxnSp>
+        <p:nvCxnSpPr>
+          <p:cNvPr id="2" name="Connecteur droit avec flèche 1">
+            <a:extLst>
+              <a:ext uri="{FF2B5EF4-FFF2-40B4-BE49-F238E27FC236}">
+                <a16:creationId xmlns:a16="http://schemas.microsoft.com/office/drawing/2014/main" id="{7C2B891F-5A0F-16E2-21B5-A6DD56419EE8}"/>
+              </a:ext>
+            </a:extLst>
+          </p:cNvPr>
+          <p:cNvCxnSpPr>
+            <a:cxnSpLocks/>
+            <a:stCxn id="43" idx="2"/>
+            <a:endCxn id="71" idx="0"/>
+          </p:cNvCxnSpPr>
+          <p:nvPr/>
+        </p:nvCxnSpPr>
+        <p:spPr>
+          <a:xfrm>
+            <a:off x="5807863" y="3258940"/>
+            <a:ext cx="0" cy="377058"/>
+          </a:xfrm>
+          <a:prstGeom prst="straightConnector1">
+            <a:avLst/>
+          </a:prstGeom>
+          <a:ln>
+            <a:tailEnd type="triangle" w="lg" len="lg"/>
+          </a:ln>
+        </p:spPr>
+        <p:style>
+          <a:lnRef idx="2">
+            <a:schemeClr val="dk1"/>
+          </a:lnRef>
+          <a:fillRef idx="0">
+            <a:schemeClr val="dk1"/>
+          </a:fillRef>
+          <a:effectRef idx="1">
+            <a:schemeClr val="dk1"/>
+          </a:effectRef>
+          <a:fontRef idx="minor">
+            <a:schemeClr val="tx1"/>
+          </a:fontRef>
+        </p:style>
+      </p:cxnSp>
+    </p:spTree>
+    <p:extLst>
+      <p:ext uri="{BB962C8B-B14F-4D97-AF65-F5344CB8AC3E}">
+        <p14:creationId xmlns:p14="http://schemas.microsoft.com/office/powerpoint/2010/main" val="2339145623"/>
       </p:ext>
     </p:extLst>
   </p:cSld>
